--- a/logo.pptx
+++ b/logo.pptx
@@ -3097,67 +3097,6 @@
       </p:grpSpPr>
       <p:sp>
         <p:nvSpPr>
-          <p:cNvPr id="4" name="Скругленный прямоугольник 3"/>
-          <p:cNvSpPr/>
-          <p:nvPr/>
-        </p:nvSpPr>
-        <p:spPr>
-          <a:xfrm>
-            <a:off x="4013938" y="1756847"/>
-            <a:ext cx="720080" cy="720080"/>
-          </a:xfrm>
-          <a:prstGeom prst="roundRect">
-            <a:avLst/>
-          </a:prstGeom>
-          <a:gradFill>
-            <a:gsLst>
-              <a:gs pos="56000">
-                <a:schemeClr val="accent1">
-                  <a:tint val="66000"/>
-                  <a:satMod val="160000"/>
-                </a:schemeClr>
-              </a:gs>
-              <a:gs pos="50000">
-                <a:schemeClr val="accent1">
-                  <a:tint val="44500"/>
-                  <a:satMod val="160000"/>
-                </a:schemeClr>
-              </a:gs>
-              <a:gs pos="100000">
-                <a:schemeClr val="accent1">
-                  <a:lumMod val="20000"/>
-                  <a:lumOff val="80000"/>
-                </a:schemeClr>
-              </a:gs>
-            </a:gsLst>
-            <a:lin ang="5400000" scaled="0"/>
-          </a:gradFill>
-        </p:spPr>
-        <p:style>
-          <a:lnRef idx="3">
-            <a:schemeClr val="lt1"/>
-          </a:lnRef>
-          <a:fillRef idx="1">
-            <a:schemeClr val="accent1"/>
-          </a:fillRef>
-          <a:effectRef idx="1">
-            <a:schemeClr val="accent1"/>
-          </a:effectRef>
-          <a:fontRef idx="minor">
-            <a:schemeClr val="lt1"/>
-          </a:fontRef>
-        </p:style>
-        <p:txBody>
-          <a:bodyPr rtlCol="0" anchor="ctr"/>
-          <a:lstStyle/>
-          <a:p>
-            <a:pPr algn="ctr"/>
-            <a:endParaRPr lang="ru-RU"/>
-          </a:p>
-        </p:txBody>
-      </p:sp>
-      <p:sp>
-        <p:nvSpPr>
           <p:cNvPr id="10" name="Скругленный прямоугольник 9"/>
           <p:cNvSpPr/>
           <p:nvPr/>
@@ -3671,31 +3610,127 @@
           </a:p>
         </p:txBody>
       </p:sp>
-      <p:sp>
-        <p:nvSpPr>
-          <p:cNvPr id="16" name="Прямоугольник 15"/>
-          <p:cNvSpPr/>
+      <p:grpSp>
+        <p:nvGrpSpPr>
+          <p:cNvPr id="17" name="Группа 16"/>
+          <p:cNvGrpSpPr/>
           <p:nvPr/>
-        </p:nvSpPr>
-        <p:spPr>
+        </p:nvGrpSpPr>
+        <p:grpSpPr>
           <a:xfrm>
-            <a:off x="4211960" y="1701388"/>
-            <a:ext cx="324036" cy="830997"/>
+            <a:off x="4013938" y="1701387"/>
+            <a:ext cx="722939" cy="830998"/>
+            <a:chOff x="4013938" y="1701387"/>
+            <a:chExt cx="722939" cy="830998"/>
           </a:xfrm>
-          <a:prstGeom prst="rect">
-            <a:avLst/>
-          </a:prstGeom>
-          <a:noFill/>
-        </p:spPr>
-        <p:txBody>
-          <a:bodyPr wrap="square" lIns="91440" tIns="45720" rIns="91440" bIns="45720">
-            <a:spAutoFit/>
-          </a:bodyPr>
-          <a:lstStyle/>
-          <a:p>
-            <a:pPr algn="ctr"/>
-            <a:r>
-              <a:rPr lang="ru-RU" sz="4800" dirty="0" smtClean="0">
+        </p:grpSpPr>
+        <p:sp>
+          <p:nvSpPr>
+            <p:cNvPr id="4" name="Скругленный прямоугольник 3"/>
+            <p:cNvSpPr/>
+            <p:nvPr/>
+          </p:nvSpPr>
+          <p:spPr>
+            <a:xfrm>
+              <a:off x="4013938" y="1756847"/>
+              <a:ext cx="720080" cy="720080"/>
+            </a:xfrm>
+            <a:prstGeom prst="roundRect">
+              <a:avLst/>
+            </a:prstGeom>
+            <a:gradFill>
+              <a:gsLst>
+                <a:gs pos="56000">
+                  <a:schemeClr val="accent1">
+                    <a:tint val="66000"/>
+                    <a:satMod val="160000"/>
+                  </a:schemeClr>
+                </a:gs>
+                <a:gs pos="50000">
+                  <a:schemeClr val="accent1">
+                    <a:tint val="44500"/>
+                    <a:satMod val="160000"/>
+                  </a:schemeClr>
+                </a:gs>
+                <a:gs pos="100000">
+                  <a:schemeClr val="accent1">
+                    <a:lumMod val="20000"/>
+                    <a:lumOff val="80000"/>
+                  </a:schemeClr>
+                </a:gs>
+              </a:gsLst>
+              <a:lin ang="5400000" scaled="0"/>
+            </a:gradFill>
+          </p:spPr>
+          <p:style>
+            <a:lnRef idx="3">
+              <a:schemeClr val="lt1"/>
+            </a:lnRef>
+            <a:fillRef idx="1">
+              <a:schemeClr val="accent1"/>
+            </a:fillRef>
+            <a:effectRef idx="1">
+              <a:schemeClr val="accent1"/>
+            </a:effectRef>
+            <a:fontRef idx="minor">
+              <a:schemeClr val="lt1"/>
+            </a:fontRef>
+          </p:style>
+          <p:txBody>
+            <a:bodyPr rtlCol="0" anchor="ctr"/>
+            <a:lstStyle/>
+            <a:p>
+              <a:pPr algn="ctr"/>
+              <a:endParaRPr lang="ru-RU"/>
+            </a:p>
+          </p:txBody>
+        </p:sp>
+        <p:sp>
+          <p:nvSpPr>
+            <p:cNvPr id="16" name="Прямоугольник 15"/>
+            <p:cNvSpPr/>
+            <p:nvPr/>
+          </p:nvSpPr>
+          <p:spPr>
+            <a:xfrm>
+              <a:off x="4211960" y="1701388"/>
+              <a:ext cx="324036" cy="830997"/>
+            </a:xfrm>
+            <a:prstGeom prst="rect">
+              <a:avLst/>
+            </a:prstGeom>
+            <a:noFill/>
+          </p:spPr>
+          <p:txBody>
+            <a:bodyPr wrap="square" lIns="91440" tIns="45720" rIns="91440" bIns="45720">
+              <a:spAutoFit/>
+            </a:bodyPr>
+            <a:lstStyle/>
+            <a:p>
+              <a:pPr algn="ctr"/>
+              <a:r>
+                <a:rPr lang="ru-RU" sz="4800" dirty="0" smtClean="0">
+                  <a:ln w="18415" cmpd="sng">
+                    <a:solidFill>
+                      <a:srgbClr val="FFFFFF"/>
+                    </a:solidFill>
+                    <a:prstDash val="solid"/>
+                  </a:ln>
+                  <a:solidFill>
+                    <a:srgbClr val="FFFFFF"/>
+                  </a:solidFill>
+                  <a:effectLst>
+                    <a:outerShdw blurRad="63500" dir="3600000" algn="tl" rotWithShape="0">
+                      <a:srgbClr val="000000">
+                        <a:alpha val="70000"/>
+                      </a:srgbClr>
+                    </a:outerShdw>
+                  </a:effectLst>
+                  <a:latin typeface="Century Schoolbook" pitchFamily="18" charset="0"/>
+                </a:rPr>
+                <a:t>9</a:t>
+              </a:r>
+              <a:endParaRPr lang="ru-RU" sz="16600" dirty="0">
                 <a:ln w="18415" cmpd="sng">
                   <a:solidFill>
                     <a:srgbClr val="FFFFFF"/>
@@ -3713,419 +3748,419 @@
                   </a:outerShdw>
                 </a:effectLst>
                 <a:latin typeface="Century Schoolbook" pitchFamily="18" charset="0"/>
-              </a:rPr>
-              <a:t>9</a:t>
-            </a:r>
-            <a:endParaRPr lang="ru-RU" sz="16600" dirty="0">
-              <a:ln w="18415" cmpd="sng">
-                <a:solidFill>
-                  <a:srgbClr val="FFFFFF"/>
-                </a:solidFill>
-                <a:prstDash val="solid"/>
-              </a:ln>
-              <a:solidFill>
-                <a:srgbClr val="FFFFFF"/>
-              </a:solidFill>
-              <a:effectLst>
-                <a:outerShdw blurRad="63500" dir="3600000" algn="tl" rotWithShape="0">
-                  <a:srgbClr val="000000">
-                    <a:alpha val="70000"/>
-                  </a:srgbClr>
-                </a:outerShdw>
-              </a:effectLst>
-              <a:latin typeface="Century Schoolbook" pitchFamily="18" charset="0"/>
-            </a:endParaRPr>
-          </a:p>
-        </p:txBody>
-      </p:sp>
-      <p:sp>
-        <p:nvSpPr>
-          <p:cNvPr id="8" name="Полилиния 7"/>
-          <p:cNvSpPr/>
-          <p:nvPr/>
-        </p:nvSpPr>
-        <p:spPr>
-          <a:xfrm>
-            <a:off x="4271963" y="1940646"/>
-            <a:ext cx="462055" cy="533474"/>
-          </a:xfrm>
-          <a:custGeom>
-            <a:avLst/>
-            <a:gdLst>
-              <a:gd name="connsiteX0" fmla="*/ 92869 w 397669"/>
-              <a:gd name="connsiteY0" fmla="*/ 0 h 535782"/>
-              <a:gd name="connsiteX1" fmla="*/ 397669 w 397669"/>
-              <a:gd name="connsiteY1" fmla="*/ 278607 h 535782"/>
-              <a:gd name="connsiteX2" fmla="*/ 397669 w 397669"/>
-              <a:gd name="connsiteY2" fmla="*/ 452438 h 535782"/>
-              <a:gd name="connsiteX3" fmla="*/ 311944 w 397669"/>
-              <a:gd name="connsiteY3" fmla="*/ 535782 h 535782"/>
-              <a:gd name="connsiteX4" fmla="*/ 126207 w 397669"/>
-              <a:gd name="connsiteY4" fmla="*/ 535782 h 535782"/>
-              <a:gd name="connsiteX5" fmla="*/ 0 w 397669"/>
-              <a:gd name="connsiteY5" fmla="*/ 409575 h 535782"/>
-              <a:gd name="connsiteX6" fmla="*/ 71438 w 397669"/>
-              <a:gd name="connsiteY6" fmla="*/ 385763 h 535782"/>
-              <a:gd name="connsiteX7" fmla="*/ 121444 w 397669"/>
-              <a:gd name="connsiteY7" fmla="*/ 311944 h 535782"/>
-              <a:gd name="connsiteX8" fmla="*/ 142875 w 397669"/>
-              <a:gd name="connsiteY8" fmla="*/ 90488 h 535782"/>
-              <a:gd name="connsiteX9" fmla="*/ 92869 w 397669"/>
-              <a:gd name="connsiteY9" fmla="*/ 0 h 535782"/>
-              <a:gd name="connsiteX0" fmla="*/ 143954 w 397669"/>
-              <a:gd name="connsiteY0" fmla="*/ 0 h 503731"/>
-              <a:gd name="connsiteX1" fmla="*/ 397669 w 397669"/>
-              <a:gd name="connsiteY1" fmla="*/ 246556 h 503731"/>
-              <a:gd name="connsiteX2" fmla="*/ 397669 w 397669"/>
-              <a:gd name="connsiteY2" fmla="*/ 420387 h 503731"/>
-              <a:gd name="connsiteX3" fmla="*/ 311944 w 397669"/>
-              <a:gd name="connsiteY3" fmla="*/ 503731 h 503731"/>
-              <a:gd name="connsiteX4" fmla="*/ 126207 w 397669"/>
-              <a:gd name="connsiteY4" fmla="*/ 503731 h 503731"/>
-              <a:gd name="connsiteX5" fmla="*/ 0 w 397669"/>
-              <a:gd name="connsiteY5" fmla="*/ 377524 h 503731"/>
-              <a:gd name="connsiteX6" fmla="*/ 71438 w 397669"/>
-              <a:gd name="connsiteY6" fmla="*/ 353712 h 503731"/>
-              <a:gd name="connsiteX7" fmla="*/ 121444 w 397669"/>
-              <a:gd name="connsiteY7" fmla="*/ 279893 h 503731"/>
-              <a:gd name="connsiteX8" fmla="*/ 142875 w 397669"/>
-              <a:gd name="connsiteY8" fmla="*/ 58437 h 503731"/>
-              <a:gd name="connsiteX9" fmla="*/ 143954 w 397669"/>
-              <a:gd name="connsiteY9" fmla="*/ 0 h 503731"/>
-              <a:gd name="connsiteX0" fmla="*/ 92869 w 397669"/>
-              <a:gd name="connsiteY0" fmla="*/ 0 h 522046"/>
-              <a:gd name="connsiteX1" fmla="*/ 397669 w 397669"/>
-              <a:gd name="connsiteY1" fmla="*/ 264871 h 522046"/>
-              <a:gd name="connsiteX2" fmla="*/ 397669 w 397669"/>
-              <a:gd name="connsiteY2" fmla="*/ 438702 h 522046"/>
-              <a:gd name="connsiteX3" fmla="*/ 311944 w 397669"/>
-              <a:gd name="connsiteY3" fmla="*/ 522046 h 522046"/>
-              <a:gd name="connsiteX4" fmla="*/ 126207 w 397669"/>
-              <a:gd name="connsiteY4" fmla="*/ 522046 h 522046"/>
-              <a:gd name="connsiteX5" fmla="*/ 0 w 397669"/>
-              <a:gd name="connsiteY5" fmla="*/ 395839 h 522046"/>
-              <a:gd name="connsiteX6" fmla="*/ 71438 w 397669"/>
-              <a:gd name="connsiteY6" fmla="*/ 372027 h 522046"/>
-              <a:gd name="connsiteX7" fmla="*/ 121444 w 397669"/>
-              <a:gd name="connsiteY7" fmla="*/ 298208 h 522046"/>
-              <a:gd name="connsiteX8" fmla="*/ 142875 w 397669"/>
-              <a:gd name="connsiteY8" fmla="*/ 76752 h 522046"/>
-              <a:gd name="connsiteX9" fmla="*/ 92869 w 397669"/>
-              <a:gd name="connsiteY9" fmla="*/ 0 h 522046"/>
-              <a:gd name="connsiteX0" fmla="*/ 92869 w 397669"/>
-              <a:gd name="connsiteY0" fmla="*/ 4 h 522050"/>
-              <a:gd name="connsiteX1" fmla="*/ 397669 w 397669"/>
-              <a:gd name="connsiteY1" fmla="*/ 264875 h 522050"/>
-              <a:gd name="connsiteX2" fmla="*/ 397669 w 397669"/>
-              <a:gd name="connsiteY2" fmla="*/ 438706 h 522050"/>
-              <a:gd name="connsiteX3" fmla="*/ 311944 w 397669"/>
-              <a:gd name="connsiteY3" fmla="*/ 522050 h 522050"/>
-              <a:gd name="connsiteX4" fmla="*/ 126207 w 397669"/>
-              <a:gd name="connsiteY4" fmla="*/ 522050 h 522050"/>
-              <a:gd name="connsiteX5" fmla="*/ 0 w 397669"/>
-              <a:gd name="connsiteY5" fmla="*/ 395843 h 522050"/>
-              <a:gd name="connsiteX6" fmla="*/ 71438 w 397669"/>
-              <a:gd name="connsiteY6" fmla="*/ 372031 h 522050"/>
-              <a:gd name="connsiteX7" fmla="*/ 121444 w 397669"/>
-              <a:gd name="connsiteY7" fmla="*/ 298212 h 522050"/>
-              <a:gd name="connsiteX8" fmla="*/ 142875 w 397669"/>
-              <a:gd name="connsiteY8" fmla="*/ 76756 h 522050"/>
-              <a:gd name="connsiteX9" fmla="*/ 92869 w 397669"/>
-              <a:gd name="connsiteY9" fmla="*/ 4 h 522050"/>
-              <a:gd name="connsiteX0" fmla="*/ 92869 w 397669"/>
-              <a:gd name="connsiteY0" fmla="*/ 0 h 522046"/>
-              <a:gd name="connsiteX1" fmla="*/ 397669 w 397669"/>
-              <a:gd name="connsiteY1" fmla="*/ 264871 h 522046"/>
-              <a:gd name="connsiteX2" fmla="*/ 397669 w 397669"/>
-              <a:gd name="connsiteY2" fmla="*/ 438702 h 522046"/>
-              <a:gd name="connsiteX3" fmla="*/ 311944 w 397669"/>
-              <a:gd name="connsiteY3" fmla="*/ 522046 h 522046"/>
-              <a:gd name="connsiteX4" fmla="*/ 126207 w 397669"/>
-              <a:gd name="connsiteY4" fmla="*/ 522046 h 522046"/>
-              <a:gd name="connsiteX5" fmla="*/ 0 w 397669"/>
-              <a:gd name="connsiteY5" fmla="*/ 395839 h 522046"/>
-              <a:gd name="connsiteX6" fmla="*/ 71438 w 397669"/>
-              <a:gd name="connsiteY6" fmla="*/ 372027 h 522046"/>
-              <a:gd name="connsiteX7" fmla="*/ 121444 w 397669"/>
-              <a:gd name="connsiteY7" fmla="*/ 298208 h 522046"/>
-              <a:gd name="connsiteX8" fmla="*/ 142875 w 397669"/>
-              <a:gd name="connsiteY8" fmla="*/ 76752 h 522046"/>
-              <a:gd name="connsiteX9" fmla="*/ 92869 w 397669"/>
-              <a:gd name="connsiteY9" fmla="*/ 0 h 522046"/>
-              <a:gd name="connsiteX0" fmla="*/ 115081 w 397669"/>
-              <a:gd name="connsiteY0" fmla="*/ 0 h 522046"/>
-              <a:gd name="connsiteX1" fmla="*/ 397669 w 397669"/>
-              <a:gd name="connsiteY1" fmla="*/ 264871 h 522046"/>
-              <a:gd name="connsiteX2" fmla="*/ 397669 w 397669"/>
-              <a:gd name="connsiteY2" fmla="*/ 438702 h 522046"/>
-              <a:gd name="connsiteX3" fmla="*/ 311944 w 397669"/>
-              <a:gd name="connsiteY3" fmla="*/ 522046 h 522046"/>
-              <a:gd name="connsiteX4" fmla="*/ 126207 w 397669"/>
-              <a:gd name="connsiteY4" fmla="*/ 522046 h 522046"/>
-              <a:gd name="connsiteX5" fmla="*/ 0 w 397669"/>
-              <a:gd name="connsiteY5" fmla="*/ 395839 h 522046"/>
-              <a:gd name="connsiteX6" fmla="*/ 71438 w 397669"/>
-              <a:gd name="connsiteY6" fmla="*/ 372027 h 522046"/>
-              <a:gd name="connsiteX7" fmla="*/ 121444 w 397669"/>
-              <a:gd name="connsiteY7" fmla="*/ 298208 h 522046"/>
-              <a:gd name="connsiteX8" fmla="*/ 142875 w 397669"/>
-              <a:gd name="connsiteY8" fmla="*/ 76752 h 522046"/>
-              <a:gd name="connsiteX9" fmla="*/ 115081 w 397669"/>
-              <a:gd name="connsiteY9" fmla="*/ 0 h 522046"/>
-              <a:gd name="connsiteX0" fmla="*/ 137292 w 419880"/>
-              <a:gd name="connsiteY0" fmla="*/ 0 h 522046"/>
-              <a:gd name="connsiteX1" fmla="*/ 419880 w 419880"/>
-              <a:gd name="connsiteY1" fmla="*/ 264871 h 522046"/>
-              <a:gd name="connsiteX2" fmla="*/ 419880 w 419880"/>
-              <a:gd name="connsiteY2" fmla="*/ 438702 h 522046"/>
-              <a:gd name="connsiteX3" fmla="*/ 334155 w 419880"/>
-              <a:gd name="connsiteY3" fmla="*/ 522046 h 522046"/>
-              <a:gd name="connsiteX4" fmla="*/ 148418 w 419880"/>
-              <a:gd name="connsiteY4" fmla="*/ 522046 h 522046"/>
-              <a:gd name="connsiteX5" fmla="*/ 0 w 419880"/>
-              <a:gd name="connsiteY5" fmla="*/ 379815 h 522046"/>
-              <a:gd name="connsiteX6" fmla="*/ 93649 w 419880"/>
-              <a:gd name="connsiteY6" fmla="*/ 372027 h 522046"/>
-              <a:gd name="connsiteX7" fmla="*/ 143655 w 419880"/>
-              <a:gd name="connsiteY7" fmla="*/ 298208 h 522046"/>
-              <a:gd name="connsiteX8" fmla="*/ 165086 w 419880"/>
-              <a:gd name="connsiteY8" fmla="*/ 76752 h 522046"/>
-              <a:gd name="connsiteX9" fmla="*/ 137292 w 419880"/>
-              <a:gd name="connsiteY9" fmla="*/ 0 h 522046"/>
-              <a:gd name="connsiteX0" fmla="*/ 148397 w 430985"/>
-              <a:gd name="connsiteY0" fmla="*/ 0 h 522046"/>
-              <a:gd name="connsiteX1" fmla="*/ 430985 w 430985"/>
-              <a:gd name="connsiteY1" fmla="*/ 264871 h 522046"/>
-              <a:gd name="connsiteX2" fmla="*/ 430985 w 430985"/>
-              <a:gd name="connsiteY2" fmla="*/ 438702 h 522046"/>
-              <a:gd name="connsiteX3" fmla="*/ 345260 w 430985"/>
-              <a:gd name="connsiteY3" fmla="*/ 522046 h 522046"/>
-              <a:gd name="connsiteX4" fmla="*/ 159523 w 430985"/>
-              <a:gd name="connsiteY4" fmla="*/ 522046 h 522046"/>
-              <a:gd name="connsiteX5" fmla="*/ 0 w 430985"/>
-              <a:gd name="connsiteY5" fmla="*/ 382104 h 522046"/>
-              <a:gd name="connsiteX6" fmla="*/ 104754 w 430985"/>
-              <a:gd name="connsiteY6" fmla="*/ 372027 h 522046"/>
-              <a:gd name="connsiteX7" fmla="*/ 154760 w 430985"/>
-              <a:gd name="connsiteY7" fmla="*/ 298208 h 522046"/>
-              <a:gd name="connsiteX8" fmla="*/ 176191 w 430985"/>
-              <a:gd name="connsiteY8" fmla="*/ 76752 h 522046"/>
-              <a:gd name="connsiteX9" fmla="*/ 148397 w 430985"/>
-              <a:gd name="connsiteY9" fmla="*/ 0 h 522046"/>
-              <a:gd name="connsiteX0" fmla="*/ 141733 w 430985"/>
-              <a:gd name="connsiteY0" fmla="*/ 0 h 522046"/>
-              <a:gd name="connsiteX1" fmla="*/ 430985 w 430985"/>
-              <a:gd name="connsiteY1" fmla="*/ 264871 h 522046"/>
-              <a:gd name="connsiteX2" fmla="*/ 430985 w 430985"/>
-              <a:gd name="connsiteY2" fmla="*/ 438702 h 522046"/>
-              <a:gd name="connsiteX3" fmla="*/ 345260 w 430985"/>
-              <a:gd name="connsiteY3" fmla="*/ 522046 h 522046"/>
-              <a:gd name="connsiteX4" fmla="*/ 159523 w 430985"/>
-              <a:gd name="connsiteY4" fmla="*/ 522046 h 522046"/>
-              <a:gd name="connsiteX5" fmla="*/ 0 w 430985"/>
-              <a:gd name="connsiteY5" fmla="*/ 382104 h 522046"/>
-              <a:gd name="connsiteX6" fmla="*/ 104754 w 430985"/>
-              <a:gd name="connsiteY6" fmla="*/ 372027 h 522046"/>
-              <a:gd name="connsiteX7" fmla="*/ 154760 w 430985"/>
-              <a:gd name="connsiteY7" fmla="*/ 298208 h 522046"/>
-              <a:gd name="connsiteX8" fmla="*/ 176191 w 430985"/>
-              <a:gd name="connsiteY8" fmla="*/ 76752 h 522046"/>
-              <a:gd name="connsiteX9" fmla="*/ 141733 w 430985"/>
-              <a:gd name="connsiteY9" fmla="*/ 0 h 522046"/>
-              <a:gd name="connsiteX0" fmla="*/ 141733 w 430985"/>
-              <a:gd name="connsiteY0" fmla="*/ 0 h 522046"/>
-              <a:gd name="connsiteX1" fmla="*/ 430985 w 430985"/>
-              <a:gd name="connsiteY1" fmla="*/ 264871 h 522046"/>
-              <a:gd name="connsiteX2" fmla="*/ 430985 w 430985"/>
-              <a:gd name="connsiteY2" fmla="*/ 438702 h 522046"/>
-              <a:gd name="connsiteX3" fmla="*/ 345260 w 430985"/>
-              <a:gd name="connsiteY3" fmla="*/ 522046 h 522046"/>
-              <a:gd name="connsiteX4" fmla="*/ 159523 w 430985"/>
-              <a:gd name="connsiteY4" fmla="*/ 522046 h 522046"/>
-              <a:gd name="connsiteX5" fmla="*/ 0 w 430985"/>
-              <a:gd name="connsiteY5" fmla="*/ 382104 h 522046"/>
-              <a:gd name="connsiteX6" fmla="*/ 104754 w 430985"/>
-              <a:gd name="connsiteY6" fmla="*/ 372027 h 522046"/>
-              <a:gd name="connsiteX7" fmla="*/ 154760 w 430985"/>
-              <a:gd name="connsiteY7" fmla="*/ 298208 h 522046"/>
-              <a:gd name="connsiteX8" fmla="*/ 176191 w 430985"/>
-              <a:gd name="connsiteY8" fmla="*/ 76752 h 522046"/>
-              <a:gd name="connsiteX9" fmla="*/ 141733 w 430985"/>
-              <a:gd name="connsiteY9" fmla="*/ 0 h 522046"/>
-              <a:gd name="connsiteX0" fmla="*/ 166165 w 430985"/>
-              <a:gd name="connsiteY0" fmla="*/ 0 h 512889"/>
-              <a:gd name="connsiteX1" fmla="*/ 430985 w 430985"/>
-              <a:gd name="connsiteY1" fmla="*/ 255714 h 512889"/>
-              <a:gd name="connsiteX2" fmla="*/ 430985 w 430985"/>
-              <a:gd name="connsiteY2" fmla="*/ 429545 h 512889"/>
-              <a:gd name="connsiteX3" fmla="*/ 345260 w 430985"/>
-              <a:gd name="connsiteY3" fmla="*/ 512889 h 512889"/>
-              <a:gd name="connsiteX4" fmla="*/ 159523 w 430985"/>
-              <a:gd name="connsiteY4" fmla="*/ 512889 h 512889"/>
-              <a:gd name="connsiteX5" fmla="*/ 0 w 430985"/>
-              <a:gd name="connsiteY5" fmla="*/ 372947 h 512889"/>
-              <a:gd name="connsiteX6" fmla="*/ 104754 w 430985"/>
-              <a:gd name="connsiteY6" fmla="*/ 362870 h 512889"/>
-              <a:gd name="connsiteX7" fmla="*/ 154760 w 430985"/>
-              <a:gd name="connsiteY7" fmla="*/ 289051 h 512889"/>
-              <a:gd name="connsiteX8" fmla="*/ 176191 w 430985"/>
-              <a:gd name="connsiteY8" fmla="*/ 67595 h 512889"/>
-              <a:gd name="connsiteX9" fmla="*/ 166165 w 430985"/>
-              <a:gd name="connsiteY9" fmla="*/ 0 h 512889"/>
-              <a:gd name="connsiteX0" fmla="*/ 166165 w 430985"/>
-              <a:gd name="connsiteY0" fmla="*/ 0 h 512889"/>
-              <a:gd name="connsiteX1" fmla="*/ 430985 w 430985"/>
-              <a:gd name="connsiteY1" fmla="*/ 255714 h 512889"/>
-              <a:gd name="connsiteX2" fmla="*/ 430985 w 430985"/>
-              <a:gd name="connsiteY2" fmla="*/ 429545 h 512889"/>
-              <a:gd name="connsiteX3" fmla="*/ 345260 w 430985"/>
-              <a:gd name="connsiteY3" fmla="*/ 512889 h 512889"/>
-              <a:gd name="connsiteX4" fmla="*/ 159523 w 430985"/>
-              <a:gd name="connsiteY4" fmla="*/ 512889 h 512889"/>
-              <a:gd name="connsiteX5" fmla="*/ 0 w 430985"/>
-              <a:gd name="connsiteY5" fmla="*/ 372947 h 512889"/>
-              <a:gd name="connsiteX6" fmla="*/ 113639 w 430985"/>
-              <a:gd name="connsiteY6" fmla="*/ 383474 h 512889"/>
-              <a:gd name="connsiteX7" fmla="*/ 154760 w 430985"/>
-              <a:gd name="connsiteY7" fmla="*/ 289051 h 512889"/>
-              <a:gd name="connsiteX8" fmla="*/ 176191 w 430985"/>
-              <a:gd name="connsiteY8" fmla="*/ 67595 h 512889"/>
-              <a:gd name="connsiteX9" fmla="*/ 166165 w 430985"/>
-              <a:gd name="connsiteY9" fmla="*/ 0 h 512889"/>
-            </a:gdLst>
-            <a:ahLst/>
-            <a:cxnLst>
-              <a:cxn ang="0">
-                <a:pos x="connsiteX0" y="connsiteY0"/>
-              </a:cxn>
-              <a:cxn ang="0">
-                <a:pos x="connsiteX1" y="connsiteY1"/>
-              </a:cxn>
-              <a:cxn ang="0">
-                <a:pos x="connsiteX2" y="connsiteY2"/>
-              </a:cxn>
-              <a:cxn ang="0">
-                <a:pos x="connsiteX3" y="connsiteY3"/>
-              </a:cxn>
-              <a:cxn ang="0">
-                <a:pos x="connsiteX4" y="connsiteY4"/>
-              </a:cxn>
-              <a:cxn ang="0">
-                <a:pos x="connsiteX5" y="connsiteY5"/>
-              </a:cxn>
-              <a:cxn ang="0">
-                <a:pos x="connsiteX6" y="connsiteY6"/>
-              </a:cxn>
-              <a:cxn ang="0">
-                <a:pos x="connsiteX7" y="connsiteY7"/>
-              </a:cxn>
-              <a:cxn ang="0">
-                <a:pos x="connsiteX8" y="connsiteY8"/>
-              </a:cxn>
-              <a:cxn ang="0">
-                <a:pos x="connsiteX9" y="connsiteY9"/>
-              </a:cxn>
-            </a:cxnLst>
-            <a:rect l="l" t="t" r="r" b="b"/>
-            <a:pathLst>
-              <a:path w="430985" h="512889">
-                <a:moveTo>
-                  <a:pt x="166165" y="0"/>
-                </a:moveTo>
-                <a:cubicBezTo>
-                  <a:pt x="232227" y="53951"/>
-                  <a:pt x="329385" y="167424"/>
-                  <a:pt x="430985" y="255714"/>
-                </a:cubicBezTo>
-                <a:lnTo>
-                  <a:pt x="430985" y="429545"/>
-                </a:lnTo>
-                <a:lnTo>
-                  <a:pt x="345260" y="512889"/>
-                </a:lnTo>
-                <a:lnTo>
-                  <a:pt x="159523" y="512889"/>
-                </a:lnTo>
-                <a:lnTo>
-                  <a:pt x="0" y="372947"/>
-                </a:lnTo>
-                <a:lnTo>
-                  <a:pt x="113639" y="383474"/>
-                </a:lnTo>
-                <a:lnTo>
-                  <a:pt x="154760" y="289051"/>
-                </a:lnTo>
-                <a:lnTo>
-                  <a:pt x="176191" y="67595"/>
-                </a:lnTo>
-                <a:cubicBezTo>
-                  <a:pt x="176551" y="48116"/>
-                  <a:pt x="165805" y="19479"/>
-                  <a:pt x="166165" y="0"/>
-                </a:cubicBezTo>
-                <a:close/>
-              </a:path>
-            </a:pathLst>
-          </a:custGeom>
-          <a:solidFill>
-            <a:schemeClr val="accent1">
-              <a:alpha val="27000"/>
-            </a:schemeClr>
-          </a:solidFill>
-          <a:ln>
+              </a:endParaRPr>
+            </a:p>
+          </p:txBody>
+        </p:sp>
+        <p:sp>
+          <p:nvSpPr>
+            <p:cNvPr id="8" name="Полилиния 7"/>
+            <p:cNvSpPr/>
+            <p:nvPr/>
+          </p:nvSpPr>
+          <p:spPr>
+            <a:xfrm>
+              <a:off x="4271963" y="1940646"/>
+              <a:ext cx="462055" cy="533474"/>
+            </a:xfrm>
+            <a:custGeom>
+              <a:avLst/>
+              <a:gdLst>
+                <a:gd name="connsiteX0" fmla="*/ 92869 w 397669"/>
+                <a:gd name="connsiteY0" fmla="*/ 0 h 535782"/>
+                <a:gd name="connsiteX1" fmla="*/ 397669 w 397669"/>
+                <a:gd name="connsiteY1" fmla="*/ 278607 h 535782"/>
+                <a:gd name="connsiteX2" fmla="*/ 397669 w 397669"/>
+                <a:gd name="connsiteY2" fmla="*/ 452438 h 535782"/>
+                <a:gd name="connsiteX3" fmla="*/ 311944 w 397669"/>
+                <a:gd name="connsiteY3" fmla="*/ 535782 h 535782"/>
+                <a:gd name="connsiteX4" fmla="*/ 126207 w 397669"/>
+                <a:gd name="connsiteY4" fmla="*/ 535782 h 535782"/>
+                <a:gd name="connsiteX5" fmla="*/ 0 w 397669"/>
+                <a:gd name="connsiteY5" fmla="*/ 409575 h 535782"/>
+                <a:gd name="connsiteX6" fmla="*/ 71438 w 397669"/>
+                <a:gd name="connsiteY6" fmla="*/ 385763 h 535782"/>
+                <a:gd name="connsiteX7" fmla="*/ 121444 w 397669"/>
+                <a:gd name="connsiteY7" fmla="*/ 311944 h 535782"/>
+                <a:gd name="connsiteX8" fmla="*/ 142875 w 397669"/>
+                <a:gd name="connsiteY8" fmla="*/ 90488 h 535782"/>
+                <a:gd name="connsiteX9" fmla="*/ 92869 w 397669"/>
+                <a:gd name="connsiteY9" fmla="*/ 0 h 535782"/>
+                <a:gd name="connsiteX0" fmla="*/ 143954 w 397669"/>
+                <a:gd name="connsiteY0" fmla="*/ 0 h 503731"/>
+                <a:gd name="connsiteX1" fmla="*/ 397669 w 397669"/>
+                <a:gd name="connsiteY1" fmla="*/ 246556 h 503731"/>
+                <a:gd name="connsiteX2" fmla="*/ 397669 w 397669"/>
+                <a:gd name="connsiteY2" fmla="*/ 420387 h 503731"/>
+                <a:gd name="connsiteX3" fmla="*/ 311944 w 397669"/>
+                <a:gd name="connsiteY3" fmla="*/ 503731 h 503731"/>
+                <a:gd name="connsiteX4" fmla="*/ 126207 w 397669"/>
+                <a:gd name="connsiteY4" fmla="*/ 503731 h 503731"/>
+                <a:gd name="connsiteX5" fmla="*/ 0 w 397669"/>
+                <a:gd name="connsiteY5" fmla="*/ 377524 h 503731"/>
+                <a:gd name="connsiteX6" fmla="*/ 71438 w 397669"/>
+                <a:gd name="connsiteY6" fmla="*/ 353712 h 503731"/>
+                <a:gd name="connsiteX7" fmla="*/ 121444 w 397669"/>
+                <a:gd name="connsiteY7" fmla="*/ 279893 h 503731"/>
+                <a:gd name="connsiteX8" fmla="*/ 142875 w 397669"/>
+                <a:gd name="connsiteY8" fmla="*/ 58437 h 503731"/>
+                <a:gd name="connsiteX9" fmla="*/ 143954 w 397669"/>
+                <a:gd name="connsiteY9" fmla="*/ 0 h 503731"/>
+                <a:gd name="connsiteX0" fmla="*/ 92869 w 397669"/>
+                <a:gd name="connsiteY0" fmla="*/ 0 h 522046"/>
+                <a:gd name="connsiteX1" fmla="*/ 397669 w 397669"/>
+                <a:gd name="connsiteY1" fmla="*/ 264871 h 522046"/>
+                <a:gd name="connsiteX2" fmla="*/ 397669 w 397669"/>
+                <a:gd name="connsiteY2" fmla="*/ 438702 h 522046"/>
+                <a:gd name="connsiteX3" fmla="*/ 311944 w 397669"/>
+                <a:gd name="connsiteY3" fmla="*/ 522046 h 522046"/>
+                <a:gd name="connsiteX4" fmla="*/ 126207 w 397669"/>
+                <a:gd name="connsiteY4" fmla="*/ 522046 h 522046"/>
+                <a:gd name="connsiteX5" fmla="*/ 0 w 397669"/>
+                <a:gd name="connsiteY5" fmla="*/ 395839 h 522046"/>
+                <a:gd name="connsiteX6" fmla="*/ 71438 w 397669"/>
+                <a:gd name="connsiteY6" fmla="*/ 372027 h 522046"/>
+                <a:gd name="connsiteX7" fmla="*/ 121444 w 397669"/>
+                <a:gd name="connsiteY7" fmla="*/ 298208 h 522046"/>
+                <a:gd name="connsiteX8" fmla="*/ 142875 w 397669"/>
+                <a:gd name="connsiteY8" fmla="*/ 76752 h 522046"/>
+                <a:gd name="connsiteX9" fmla="*/ 92869 w 397669"/>
+                <a:gd name="connsiteY9" fmla="*/ 0 h 522046"/>
+                <a:gd name="connsiteX0" fmla="*/ 92869 w 397669"/>
+                <a:gd name="connsiteY0" fmla="*/ 4 h 522050"/>
+                <a:gd name="connsiteX1" fmla="*/ 397669 w 397669"/>
+                <a:gd name="connsiteY1" fmla="*/ 264875 h 522050"/>
+                <a:gd name="connsiteX2" fmla="*/ 397669 w 397669"/>
+                <a:gd name="connsiteY2" fmla="*/ 438706 h 522050"/>
+                <a:gd name="connsiteX3" fmla="*/ 311944 w 397669"/>
+                <a:gd name="connsiteY3" fmla="*/ 522050 h 522050"/>
+                <a:gd name="connsiteX4" fmla="*/ 126207 w 397669"/>
+                <a:gd name="connsiteY4" fmla="*/ 522050 h 522050"/>
+                <a:gd name="connsiteX5" fmla="*/ 0 w 397669"/>
+                <a:gd name="connsiteY5" fmla="*/ 395843 h 522050"/>
+                <a:gd name="connsiteX6" fmla="*/ 71438 w 397669"/>
+                <a:gd name="connsiteY6" fmla="*/ 372031 h 522050"/>
+                <a:gd name="connsiteX7" fmla="*/ 121444 w 397669"/>
+                <a:gd name="connsiteY7" fmla="*/ 298212 h 522050"/>
+                <a:gd name="connsiteX8" fmla="*/ 142875 w 397669"/>
+                <a:gd name="connsiteY8" fmla="*/ 76756 h 522050"/>
+                <a:gd name="connsiteX9" fmla="*/ 92869 w 397669"/>
+                <a:gd name="connsiteY9" fmla="*/ 4 h 522050"/>
+                <a:gd name="connsiteX0" fmla="*/ 92869 w 397669"/>
+                <a:gd name="connsiteY0" fmla="*/ 0 h 522046"/>
+                <a:gd name="connsiteX1" fmla="*/ 397669 w 397669"/>
+                <a:gd name="connsiteY1" fmla="*/ 264871 h 522046"/>
+                <a:gd name="connsiteX2" fmla="*/ 397669 w 397669"/>
+                <a:gd name="connsiteY2" fmla="*/ 438702 h 522046"/>
+                <a:gd name="connsiteX3" fmla="*/ 311944 w 397669"/>
+                <a:gd name="connsiteY3" fmla="*/ 522046 h 522046"/>
+                <a:gd name="connsiteX4" fmla="*/ 126207 w 397669"/>
+                <a:gd name="connsiteY4" fmla="*/ 522046 h 522046"/>
+                <a:gd name="connsiteX5" fmla="*/ 0 w 397669"/>
+                <a:gd name="connsiteY5" fmla="*/ 395839 h 522046"/>
+                <a:gd name="connsiteX6" fmla="*/ 71438 w 397669"/>
+                <a:gd name="connsiteY6" fmla="*/ 372027 h 522046"/>
+                <a:gd name="connsiteX7" fmla="*/ 121444 w 397669"/>
+                <a:gd name="connsiteY7" fmla="*/ 298208 h 522046"/>
+                <a:gd name="connsiteX8" fmla="*/ 142875 w 397669"/>
+                <a:gd name="connsiteY8" fmla="*/ 76752 h 522046"/>
+                <a:gd name="connsiteX9" fmla="*/ 92869 w 397669"/>
+                <a:gd name="connsiteY9" fmla="*/ 0 h 522046"/>
+                <a:gd name="connsiteX0" fmla="*/ 115081 w 397669"/>
+                <a:gd name="connsiteY0" fmla="*/ 0 h 522046"/>
+                <a:gd name="connsiteX1" fmla="*/ 397669 w 397669"/>
+                <a:gd name="connsiteY1" fmla="*/ 264871 h 522046"/>
+                <a:gd name="connsiteX2" fmla="*/ 397669 w 397669"/>
+                <a:gd name="connsiteY2" fmla="*/ 438702 h 522046"/>
+                <a:gd name="connsiteX3" fmla="*/ 311944 w 397669"/>
+                <a:gd name="connsiteY3" fmla="*/ 522046 h 522046"/>
+                <a:gd name="connsiteX4" fmla="*/ 126207 w 397669"/>
+                <a:gd name="connsiteY4" fmla="*/ 522046 h 522046"/>
+                <a:gd name="connsiteX5" fmla="*/ 0 w 397669"/>
+                <a:gd name="connsiteY5" fmla="*/ 395839 h 522046"/>
+                <a:gd name="connsiteX6" fmla="*/ 71438 w 397669"/>
+                <a:gd name="connsiteY6" fmla="*/ 372027 h 522046"/>
+                <a:gd name="connsiteX7" fmla="*/ 121444 w 397669"/>
+                <a:gd name="connsiteY7" fmla="*/ 298208 h 522046"/>
+                <a:gd name="connsiteX8" fmla="*/ 142875 w 397669"/>
+                <a:gd name="connsiteY8" fmla="*/ 76752 h 522046"/>
+                <a:gd name="connsiteX9" fmla="*/ 115081 w 397669"/>
+                <a:gd name="connsiteY9" fmla="*/ 0 h 522046"/>
+                <a:gd name="connsiteX0" fmla="*/ 137292 w 419880"/>
+                <a:gd name="connsiteY0" fmla="*/ 0 h 522046"/>
+                <a:gd name="connsiteX1" fmla="*/ 419880 w 419880"/>
+                <a:gd name="connsiteY1" fmla="*/ 264871 h 522046"/>
+                <a:gd name="connsiteX2" fmla="*/ 419880 w 419880"/>
+                <a:gd name="connsiteY2" fmla="*/ 438702 h 522046"/>
+                <a:gd name="connsiteX3" fmla="*/ 334155 w 419880"/>
+                <a:gd name="connsiteY3" fmla="*/ 522046 h 522046"/>
+                <a:gd name="connsiteX4" fmla="*/ 148418 w 419880"/>
+                <a:gd name="connsiteY4" fmla="*/ 522046 h 522046"/>
+                <a:gd name="connsiteX5" fmla="*/ 0 w 419880"/>
+                <a:gd name="connsiteY5" fmla="*/ 379815 h 522046"/>
+                <a:gd name="connsiteX6" fmla="*/ 93649 w 419880"/>
+                <a:gd name="connsiteY6" fmla="*/ 372027 h 522046"/>
+                <a:gd name="connsiteX7" fmla="*/ 143655 w 419880"/>
+                <a:gd name="connsiteY7" fmla="*/ 298208 h 522046"/>
+                <a:gd name="connsiteX8" fmla="*/ 165086 w 419880"/>
+                <a:gd name="connsiteY8" fmla="*/ 76752 h 522046"/>
+                <a:gd name="connsiteX9" fmla="*/ 137292 w 419880"/>
+                <a:gd name="connsiteY9" fmla="*/ 0 h 522046"/>
+                <a:gd name="connsiteX0" fmla="*/ 148397 w 430985"/>
+                <a:gd name="connsiteY0" fmla="*/ 0 h 522046"/>
+                <a:gd name="connsiteX1" fmla="*/ 430985 w 430985"/>
+                <a:gd name="connsiteY1" fmla="*/ 264871 h 522046"/>
+                <a:gd name="connsiteX2" fmla="*/ 430985 w 430985"/>
+                <a:gd name="connsiteY2" fmla="*/ 438702 h 522046"/>
+                <a:gd name="connsiteX3" fmla="*/ 345260 w 430985"/>
+                <a:gd name="connsiteY3" fmla="*/ 522046 h 522046"/>
+                <a:gd name="connsiteX4" fmla="*/ 159523 w 430985"/>
+                <a:gd name="connsiteY4" fmla="*/ 522046 h 522046"/>
+                <a:gd name="connsiteX5" fmla="*/ 0 w 430985"/>
+                <a:gd name="connsiteY5" fmla="*/ 382104 h 522046"/>
+                <a:gd name="connsiteX6" fmla="*/ 104754 w 430985"/>
+                <a:gd name="connsiteY6" fmla="*/ 372027 h 522046"/>
+                <a:gd name="connsiteX7" fmla="*/ 154760 w 430985"/>
+                <a:gd name="connsiteY7" fmla="*/ 298208 h 522046"/>
+                <a:gd name="connsiteX8" fmla="*/ 176191 w 430985"/>
+                <a:gd name="connsiteY8" fmla="*/ 76752 h 522046"/>
+                <a:gd name="connsiteX9" fmla="*/ 148397 w 430985"/>
+                <a:gd name="connsiteY9" fmla="*/ 0 h 522046"/>
+                <a:gd name="connsiteX0" fmla="*/ 141733 w 430985"/>
+                <a:gd name="connsiteY0" fmla="*/ 0 h 522046"/>
+                <a:gd name="connsiteX1" fmla="*/ 430985 w 430985"/>
+                <a:gd name="connsiteY1" fmla="*/ 264871 h 522046"/>
+                <a:gd name="connsiteX2" fmla="*/ 430985 w 430985"/>
+                <a:gd name="connsiteY2" fmla="*/ 438702 h 522046"/>
+                <a:gd name="connsiteX3" fmla="*/ 345260 w 430985"/>
+                <a:gd name="connsiteY3" fmla="*/ 522046 h 522046"/>
+                <a:gd name="connsiteX4" fmla="*/ 159523 w 430985"/>
+                <a:gd name="connsiteY4" fmla="*/ 522046 h 522046"/>
+                <a:gd name="connsiteX5" fmla="*/ 0 w 430985"/>
+                <a:gd name="connsiteY5" fmla="*/ 382104 h 522046"/>
+                <a:gd name="connsiteX6" fmla="*/ 104754 w 430985"/>
+                <a:gd name="connsiteY6" fmla="*/ 372027 h 522046"/>
+                <a:gd name="connsiteX7" fmla="*/ 154760 w 430985"/>
+                <a:gd name="connsiteY7" fmla="*/ 298208 h 522046"/>
+                <a:gd name="connsiteX8" fmla="*/ 176191 w 430985"/>
+                <a:gd name="connsiteY8" fmla="*/ 76752 h 522046"/>
+                <a:gd name="connsiteX9" fmla="*/ 141733 w 430985"/>
+                <a:gd name="connsiteY9" fmla="*/ 0 h 522046"/>
+                <a:gd name="connsiteX0" fmla="*/ 141733 w 430985"/>
+                <a:gd name="connsiteY0" fmla="*/ 0 h 522046"/>
+                <a:gd name="connsiteX1" fmla="*/ 430985 w 430985"/>
+                <a:gd name="connsiteY1" fmla="*/ 264871 h 522046"/>
+                <a:gd name="connsiteX2" fmla="*/ 430985 w 430985"/>
+                <a:gd name="connsiteY2" fmla="*/ 438702 h 522046"/>
+                <a:gd name="connsiteX3" fmla="*/ 345260 w 430985"/>
+                <a:gd name="connsiteY3" fmla="*/ 522046 h 522046"/>
+                <a:gd name="connsiteX4" fmla="*/ 159523 w 430985"/>
+                <a:gd name="connsiteY4" fmla="*/ 522046 h 522046"/>
+                <a:gd name="connsiteX5" fmla="*/ 0 w 430985"/>
+                <a:gd name="connsiteY5" fmla="*/ 382104 h 522046"/>
+                <a:gd name="connsiteX6" fmla="*/ 104754 w 430985"/>
+                <a:gd name="connsiteY6" fmla="*/ 372027 h 522046"/>
+                <a:gd name="connsiteX7" fmla="*/ 154760 w 430985"/>
+                <a:gd name="connsiteY7" fmla="*/ 298208 h 522046"/>
+                <a:gd name="connsiteX8" fmla="*/ 176191 w 430985"/>
+                <a:gd name="connsiteY8" fmla="*/ 76752 h 522046"/>
+                <a:gd name="connsiteX9" fmla="*/ 141733 w 430985"/>
+                <a:gd name="connsiteY9" fmla="*/ 0 h 522046"/>
+                <a:gd name="connsiteX0" fmla="*/ 166165 w 430985"/>
+                <a:gd name="connsiteY0" fmla="*/ 0 h 512889"/>
+                <a:gd name="connsiteX1" fmla="*/ 430985 w 430985"/>
+                <a:gd name="connsiteY1" fmla="*/ 255714 h 512889"/>
+                <a:gd name="connsiteX2" fmla="*/ 430985 w 430985"/>
+                <a:gd name="connsiteY2" fmla="*/ 429545 h 512889"/>
+                <a:gd name="connsiteX3" fmla="*/ 345260 w 430985"/>
+                <a:gd name="connsiteY3" fmla="*/ 512889 h 512889"/>
+                <a:gd name="connsiteX4" fmla="*/ 159523 w 430985"/>
+                <a:gd name="connsiteY4" fmla="*/ 512889 h 512889"/>
+                <a:gd name="connsiteX5" fmla="*/ 0 w 430985"/>
+                <a:gd name="connsiteY5" fmla="*/ 372947 h 512889"/>
+                <a:gd name="connsiteX6" fmla="*/ 104754 w 430985"/>
+                <a:gd name="connsiteY6" fmla="*/ 362870 h 512889"/>
+                <a:gd name="connsiteX7" fmla="*/ 154760 w 430985"/>
+                <a:gd name="connsiteY7" fmla="*/ 289051 h 512889"/>
+                <a:gd name="connsiteX8" fmla="*/ 176191 w 430985"/>
+                <a:gd name="connsiteY8" fmla="*/ 67595 h 512889"/>
+                <a:gd name="connsiteX9" fmla="*/ 166165 w 430985"/>
+                <a:gd name="connsiteY9" fmla="*/ 0 h 512889"/>
+                <a:gd name="connsiteX0" fmla="*/ 166165 w 430985"/>
+                <a:gd name="connsiteY0" fmla="*/ 0 h 512889"/>
+                <a:gd name="connsiteX1" fmla="*/ 430985 w 430985"/>
+                <a:gd name="connsiteY1" fmla="*/ 255714 h 512889"/>
+                <a:gd name="connsiteX2" fmla="*/ 430985 w 430985"/>
+                <a:gd name="connsiteY2" fmla="*/ 429545 h 512889"/>
+                <a:gd name="connsiteX3" fmla="*/ 345260 w 430985"/>
+                <a:gd name="connsiteY3" fmla="*/ 512889 h 512889"/>
+                <a:gd name="connsiteX4" fmla="*/ 159523 w 430985"/>
+                <a:gd name="connsiteY4" fmla="*/ 512889 h 512889"/>
+                <a:gd name="connsiteX5" fmla="*/ 0 w 430985"/>
+                <a:gd name="connsiteY5" fmla="*/ 372947 h 512889"/>
+                <a:gd name="connsiteX6" fmla="*/ 113639 w 430985"/>
+                <a:gd name="connsiteY6" fmla="*/ 383474 h 512889"/>
+                <a:gd name="connsiteX7" fmla="*/ 154760 w 430985"/>
+                <a:gd name="connsiteY7" fmla="*/ 289051 h 512889"/>
+                <a:gd name="connsiteX8" fmla="*/ 176191 w 430985"/>
+                <a:gd name="connsiteY8" fmla="*/ 67595 h 512889"/>
+                <a:gd name="connsiteX9" fmla="*/ 166165 w 430985"/>
+                <a:gd name="connsiteY9" fmla="*/ 0 h 512889"/>
+              </a:gdLst>
+              <a:ahLst/>
+              <a:cxnLst>
+                <a:cxn ang="0">
+                  <a:pos x="connsiteX0" y="connsiteY0"/>
+                </a:cxn>
+                <a:cxn ang="0">
+                  <a:pos x="connsiteX1" y="connsiteY1"/>
+                </a:cxn>
+                <a:cxn ang="0">
+                  <a:pos x="connsiteX2" y="connsiteY2"/>
+                </a:cxn>
+                <a:cxn ang="0">
+                  <a:pos x="connsiteX3" y="connsiteY3"/>
+                </a:cxn>
+                <a:cxn ang="0">
+                  <a:pos x="connsiteX4" y="connsiteY4"/>
+                </a:cxn>
+                <a:cxn ang="0">
+                  <a:pos x="connsiteX5" y="connsiteY5"/>
+                </a:cxn>
+                <a:cxn ang="0">
+                  <a:pos x="connsiteX6" y="connsiteY6"/>
+                </a:cxn>
+                <a:cxn ang="0">
+                  <a:pos x="connsiteX7" y="connsiteY7"/>
+                </a:cxn>
+                <a:cxn ang="0">
+                  <a:pos x="connsiteX8" y="connsiteY8"/>
+                </a:cxn>
+                <a:cxn ang="0">
+                  <a:pos x="connsiteX9" y="connsiteY9"/>
+                </a:cxn>
+              </a:cxnLst>
+              <a:rect l="l" t="t" r="r" b="b"/>
+              <a:pathLst>
+                <a:path w="430985" h="512889">
+                  <a:moveTo>
+                    <a:pt x="166165" y="0"/>
+                  </a:moveTo>
+                  <a:cubicBezTo>
+                    <a:pt x="232227" y="53951"/>
+                    <a:pt x="329385" y="167424"/>
+                    <a:pt x="430985" y="255714"/>
+                  </a:cubicBezTo>
+                  <a:lnTo>
+                    <a:pt x="430985" y="429545"/>
+                  </a:lnTo>
+                  <a:lnTo>
+                    <a:pt x="345260" y="512889"/>
+                  </a:lnTo>
+                  <a:lnTo>
+                    <a:pt x="159523" y="512889"/>
+                  </a:lnTo>
+                  <a:lnTo>
+                    <a:pt x="0" y="372947"/>
+                  </a:lnTo>
+                  <a:lnTo>
+                    <a:pt x="113639" y="383474"/>
+                  </a:lnTo>
+                  <a:lnTo>
+                    <a:pt x="154760" y="289051"/>
+                  </a:lnTo>
+                  <a:lnTo>
+                    <a:pt x="176191" y="67595"/>
+                  </a:lnTo>
+                  <a:cubicBezTo>
+                    <a:pt x="176551" y="48116"/>
+                    <a:pt x="165805" y="19479"/>
+                    <a:pt x="166165" y="0"/>
+                  </a:cubicBezTo>
+                  <a:close/>
+                </a:path>
+              </a:pathLst>
+            </a:custGeom>
+            <a:solidFill>
+              <a:schemeClr val="accent1">
+                <a:alpha val="27000"/>
+              </a:schemeClr>
+            </a:solidFill>
+            <a:ln>
+              <a:noFill/>
+            </a:ln>
+          </p:spPr>
+          <p:style>
+            <a:lnRef idx="2">
+              <a:schemeClr val="accent1">
+                <a:shade val="50000"/>
+              </a:schemeClr>
+            </a:lnRef>
+            <a:fillRef idx="1">
+              <a:schemeClr val="accent1"/>
+            </a:fillRef>
+            <a:effectRef idx="0">
+              <a:schemeClr val="accent1"/>
+            </a:effectRef>
+            <a:fontRef idx="minor">
+              <a:schemeClr val="lt1"/>
+            </a:fontRef>
+          </p:style>
+          <p:txBody>
+            <a:bodyPr rtlCol="0" anchor="ctr"/>
+            <a:lstStyle/>
+            <a:p>
+              <a:pPr algn="ctr"/>
+              <a:endParaRPr lang="ru-RU"/>
+            </a:p>
+          </p:txBody>
+        </p:sp>
+        <p:sp>
+          <p:nvSpPr>
+            <p:cNvPr id="18" name="Прямоугольник 17"/>
+            <p:cNvSpPr/>
+            <p:nvPr/>
+          </p:nvSpPr>
+          <p:spPr>
+            <a:xfrm>
+              <a:off x="4214819" y="1701387"/>
+              <a:ext cx="324036" cy="830997"/>
+            </a:xfrm>
+            <a:prstGeom prst="rect">
+              <a:avLst/>
+            </a:prstGeom>
             <a:noFill/>
-          </a:ln>
-        </p:spPr>
-        <p:style>
-          <a:lnRef idx="2">
-            <a:schemeClr val="accent1">
-              <a:shade val="50000"/>
-            </a:schemeClr>
-          </a:lnRef>
-          <a:fillRef idx="1">
-            <a:schemeClr val="accent1"/>
-          </a:fillRef>
-          <a:effectRef idx="0">
-            <a:schemeClr val="accent1"/>
-          </a:effectRef>
-          <a:fontRef idx="minor">
-            <a:schemeClr val="lt1"/>
-          </a:fontRef>
-        </p:style>
-        <p:txBody>
-          <a:bodyPr rtlCol="0" anchor="ctr"/>
-          <a:lstStyle/>
-          <a:p>
-            <a:pPr algn="ctr"/>
-            <a:endParaRPr lang="ru-RU"/>
-          </a:p>
-        </p:txBody>
-      </p:sp>
-      <p:sp>
-        <p:nvSpPr>
-          <p:cNvPr id="18" name="Прямоугольник 17"/>
-          <p:cNvSpPr/>
-          <p:nvPr/>
-        </p:nvSpPr>
-        <p:spPr>
-          <a:xfrm>
-            <a:off x="4214819" y="1701387"/>
-            <a:ext cx="324036" cy="830997"/>
-          </a:xfrm>
-          <a:prstGeom prst="rect">
-            <a:avLst/>
-          </a:prstGeom>
-          <a:noFill/>
-        </p:spPr>
-        <p:txBody>
-          <a:bodyPr wrap="square" lIns="91440" tIns="45720" rIns="91440" bIns="45720">
-            <a:spAutoFit/>
-          </a:bodyPr>
-          <a:lstStyle/>
-          <a:p>
-            <a:pPr algn="ctr"/>
-            <a:r>
-              <a:rPr lang="ru-RU" sz="4800" dirty="0" smtClean="0">
+          </p:spPr>
+          <p:txBody>
+            <a:bodyPr wrap="square" lIns="91440" tIns="45720" rIns="91440" bIns="45720">
+              <a:spAutoFit/>
+            </a:bodyPr>
+            <a:lstStyle/>
+            <a:p>
+              <a:pPr algn="ctr"/>
+              <a:r>
+                <a:rPr lang="ru-RU" sz="4800" dirty="0" smtClean="0">
+                  <a:ln w="18415" cmpd="sng">
+                    <a:solidFill>
+                      <a:srgbClr val="FFFFFF"/>
+                    </a:solidFill>
+                    <a:prstDash val="solid"/>
+                  </a:ln>
+                  <a:solidFill>
+                    <a:srgbClr val="FFFFFF"/>
+                  </a:solidFill>
+                  <a:effectLst>
+                    <a:outerShdw blurRad="63500" dir="3600000" algn="tl" rotWithShape="0">
+                      <a:srgbClr val="000000">
+                        <a:alpha val="70000"/>
+                      </a:srgbClr>
+                    </a:outerShdw>
+                  </a:effectLst>
+                  <a:latin typeface="Century Schoolbook" pitchFamily="18" charset="0"/>
+                </a:rPr>
+                <a:t>9</a:t>
+              </a:r>
+              <a:endParaRPr lang="ru-RU" sz="16600" dirty="0">
                 <a:ln w="18415" cmpd="sng">
                   <a:solidFill>
                     <a:srgbClr val="FFFFFF"/>
@@ -4143,70 +4178,50 @@
                   </a:outerShdw>
                 </a:effectLst>
                 <a:latin typeface="Century Schoolbook" pitchFamily="18" charset="0"/>
-              </a:rPr>
-              <a:t>9</a:t>
-            </a:r>
-            <a:endParaRPr lang="ru-RU" sz="16600" dirty="0">
-              <a:ln w="18415" cmpd="sng">
-                <a:solidFill>
-                  <a:srgbClr val="FFFFFF"/>
-                </a:solidFill>
-                <a:prstDash val="solid"/>
-              </a:ln>
-              <a:solidFill>
-                <a:srgbClr val="FFFFFF"/>
-              </a:solidFill>
-              <a:effectLst>
-                <a:outerShdw blurRad="63500" dir="3600000" algn="tl" rotWithShape="0">
-                  <a:srgbClr val="000000">
-                    <a:alpha val="70000"/>
-                  </a:srgbClr>
-                </a:outerShdw>
-              </a:effectLst>
-              <a:latin typeface="Century Schoolbook" pitchFamily="18" charset="0"/>
-            </a:endParaRPr>
-          </a:p>
-        </p:txBody>
-      </p:sp>
-      <p:sp>
-        <p:nvSpPr>
-          <p:cNvPr id="9" name="Скругленный прямоугольник 8"/>
-          <p:cNvSpPr/>
-          <p:nvPr/>
-        </p:nvSpPr>
-        <p:spPr>
-          <a:xfrm>
-            <a:off x="4016797" y="1758402"/>
-            <a:ext cx="720080" cy="720080"/>
-          </a:xfrm>
-          <a:prstGeom prst="roundRect">
-            <a:avLst/>
-          </a:prstGeom>
-          <a:noFill/>
-        </p:spPr>
-        <p:style>
-          <a:lnRef idx="3">
-            <a:schemeClr val="lt1"/>
-          </a:lnRef>
-          <a:fillRef idx="1">
-            <a:schemeClr val="accent1"/>
-          </a:fillRef>
-          <a:effectRef idx="1">
-            <a:schemeClr val="accent1"/>
-          </a:effectRef>
-          <a:fontRef idx="minor">
-            <a:schemeClr val="lt1"/>
-          </a:fontRef>
-        </p:style>
-        <p:txBody>
-          <a:bodyPr rtlCol="0" anchor="ctr"/>
-          <a:lstStyle/>
-          <a:p>
-            <a:pPr algn="ctr"/>
-            <a:endParaRPr lang="ru-RU"/>
-          </a:p>
-        </p:txBody>
-      </p:sp>
+              </a:endParaRPr>
+            </a:p>
+          </p:txBody>
+        </p:sp>
+        <p:sp>
+          <p:nvSpPr>
+            <p:cNvPr id="9" name="Скругленный прямоугольник 8"/>
+            <p:cNvSpPr/>
+            <p:nvPr/>
+          </p:nvSpPr>
+          <p:spPr>
+            <a:xfrm>
+              <a:off x="4016797" y="1758402"/>
+              <a:ext cx="720080" cy="720080"/>
+            </a:xfrm>
+            <a:prstGeom prst="roundRect">
+              <a:avLst/>
+            </a:prstGeom>
+            <a:noFill/>
+          </p:spPr>
+          <p:style>
+            <a:lnRef idx="3">
+              <a:schemeClr val="lt1"/>
+            </a:lnRef>
+            <a:fillRef idx="1">
+              <a:schemeClr val="accent1"/>
+            </a:fillRef>
+            <a:effectRef idx="1">
+              <a:schemeClr val="accent1"/>
+            </a:effectRef>
+            <a:fontRef idx="minor">
+              <a:schemeClr val="lt1"/>
+            </a:fontRef>
+          </p:style>
+          <p:txBody>
+            <a:bodyPr rtlCol="0" anchor="ctr"/>
+            <a:lstStyle/>
+            <a:p>
+              <a:pPr algn="ctr"/>
+              <a:endParaRPr lang="ru-RU"/>
+            </a:p>
+          </p:txBody>
+        </p:sp>
+      </p:grpSp>
     </p:spTree>
     <p:extLst>
       <p:ext uri="{BB962C8B-B14F-4D97-AF65-F5344CB8AC3E}">

--- a/logo.pptx
+++ b/logo.pptx
@@ -6,6 +6,10 @@
   </p:sldMasterIdLst>
   <p:sldIdLst>
     <p:sldId id="256" r:id="rId2"/>
+    <p:sldId id="257" r:id="rId3"/>
+    <p:sldId id="258" r:id="rId4"/>
+    <p:sldId id="259" r:id="rId5"/>
+    <p:sldId id="260" r:id="rId6"/>
   </p:sldIdLst>
   <p:sldSz cx="9144000" cy="6858000" type="screen4x3"/>
   <p:notesSz cx="6858000" cy="9144000"/>
@@ -288,7 +292,7 @@
           <a:p>
             <a:fld id="{82919F8F-9E42-41B1-9BE7-30A65E094827}" type="datetimeFigureOut">
               <a:rPr lang="ru-RU" smtClean="0"/>
-              <a:t>02.04.2018</a:t>
+              <a:t>03.04.2018</a:t>
             </a:fld>
             <a:endParaRPr lang="ru-RU"/>
           </a:p>
@@ -458,7 +462,7 @@
           <a:p>
             <a:fld id="{82919F8F-9E42-41B1-9BE7-30A65E094827}" type="datetimeFigureOut">
               <a:rPr lang="ru-RU" smtClean="0"/>
-              <a:t>02.04.2018</a:t>
+              <a:t>03.04.2018</a:t>
             </a:fld>
             <a:endParaRPr lang="ru-RU"/>
           </a:p>
@@ -638,7 +642,7 @@
           <a:p>
             <a:fld id="{82919F8F-9E42-41B1-9BE7-30A65E094827}" type="datetimeFigureOut">
               <a:rPr lang="ru-RU" smtClean="0"/>
-              <a:t>02.04.2018</a:t>
+              <a:t>03.04.2018</a:t>
             </a:fld>
             <a:endParaRPr lang="ru-RU"/>
           </a:p>
@@ -808,7 +812,7 @@
           <a:p>
             <a:fld id="{82919F8F-9E42-41B1-9BE7-30A65E094827}" type="datetimeFigureOut">
               <a:rPr lang="ru-RU" smtClean="0"/>
-              <a:t>02.04.2018</a:t>
+              <a:t>03.04.2018</a:t>
             </a:fld>
             <a:endParaRPr lang="ru-RU"/>
           </a:p>
@@ -1054,7 +1058,7 @@
           <a:p>
             <a:fld id="{82919F8F-9E42-41B1-9BE7-30A65E094827}" type="datetimeFigureOut">
               <a:rPr lang="ru-RU" smtClean="0"/>
-              <a:t>02.04.2018</a:t>
+              <a:t>03.04.2018</a:t>
             </a:fld>
             <a:endParaRPr lang="ru-RU"/>
           </a:p>
@@ -1342,7 +1346,7 @@
           <a:p>
             <a:fld id="{82919F8F-9E42-41B1-9BE7-30A65E094827}" type="datetimeFigureOut">
               <a:rPr lang="ru-RU" smtClean="0"/>
-              <a:t>02.04.2018</a:t>
+              <a:t>03.04.2018</a:t>
             </a:fld>
             <a:endParaRPr lang="ru-RU"/>
           </a:p>
@@ -1764,7 +1768,7 @@
           <a:p>
             <a:fld id="{82919F8F-9E42-41B1-9BE7-30A65E094827}" type="datetimeFigureOut">
               <a:rPr lang="ru-RU" smtClean="0"/>
-              <a:t>02.04.2018</a:t>
+              <a:t>03.04.2018</a:t>
             </a:fld>
             <a:endParaRPr lang="ru-RU"/>
           </a:p>
@@ -1882,7 +1886,7 @@
           <a:p>
             <a:fld id="{82919F8F-9E42-41B1-9BE7-30A65E094827}" type="datetimeFigureOut">
               <a:rPr lang="ru-RU" smtClean="0"/>
-              <a:t>02.04.2018</a:t>
+              <a:t>03.04.2018</a:t>
             </a:fld>
             <a:endParaRPr lang="ru-RU"/>
           </a:p>
@@ -1977,7 +1981,7 @@
           <a:p>
             <a:fld id="{82919F8F-9E42-41B1-9BE7-30A65E094827}" type="datetimeFigureOut">
               <a:rPr lang="ru-RU" smtClean="0"/>
-              <a:t>02.04.2018</a:t>
+              <a:t>03.04.2018</a:t>
             </a:fld>
             <a:endParaRPr lang="ru-RU"/>
           </a:p>
@@ -2254,7 +2258,7 @@
           <a:p>
             <a:fld id="{82919F8F-9E42-41B1-9BE7-30A65E094827}" type="datetimeFigureOut">
               <a:rPr lang="ru-RU" smtClean="0"/>
-              <a:t>02.04.2018</a:t>
+              <a:t>03.04.2018</a:t>
             </a:fld>
             <a:endParaRPr lang="ru-RU"/>
           </a:p>
@@ -2507,7 +2511,7 @@
           <a:p>
             <a:fld id="{82919F8F-9E42-41B1-9BE7-30A65E094827}" type="datetimeFigureOut">
               <a:rPr lang="ru-RU" smtClean="0"/>
-              <a:t>02.04.2018</a:t>
+              <a:t>03.04.2018</a:t>
             </a:fld>
             <a:endParaRPr lang="ru-RU"/>
           </a:p>
@@ -2720,7 +2724,7 @@
           <a:p>
             <a:fld id="{82919F8F-9E42-41B1-9BE7-30A65E094827}" type="datetimeFigureOut">
               <a:rPr lang="ru-RU" smtClean="0"/>
-              <a:t>02.04.2018</a:t>
+              <a:t>03.04.2018</a:t>
             </a:fld>
             <a:endParaRPr lang="ru-RU"/>
           </a:p>
@@ -3095,6 +3099,77 @@
           <a:chExt cx="0" cy="0"/>
         </a:xfrm>
       </p:grpSpPr>
+      <p:pic>
+        <p:nvPicPr>
+          <p:cNvPr id="1028" name="Picture 4" descr="Ãhnliches Foto"/>
+          <p:cNvPicPr>
+            <a:picLocks noChangeAspect="1" noChangeArrowheads="1"/>
+          </p:cNvPicPr>
+          <p:nvPr/>
+        </p:nvPicPr>
+        <p:blipFill>
+          <a:blip r:embed="rId2">
+            <a:extLst>
+              <a:ext uri="{28A0092B-C50C-407E-A947-70E740481C1C}">
+                <a14:useLocalDpi xmlns:a14="http://schemas.microsoft.com/office/drawing/2010/main" val="0"/>
+              </a:ext>
+            </a:extLst>
+          </a:blip>
+          <a:srcRect/>
+          <a:stretch>
+            <a:fillRect/>
+          </a:stretch>
+        </p:blipFill>
+        <p:spPr bwMode="auto">
+          <a:xfrm>
+            <a:off x="2555776" y="1412776"/>
+            <a:ext cx="3782527" cy="3782527"/>
+          </a:xfrm>
+          <a:prstGeom prst="rect">
+            <a:avLst/>
+          </a:prstGeom>
+          <a:noFill/>
+          <a:extLst>
+            <a:ext uri="{909E8E84-426E-40DD-AFC4-6F175D3DCCD1}">
+              <a14:hiddenFill xmlns:a14="http://schemas.microsoft.com/office/drawing/2010/main">
+                <a:solidFill>
+                  <a:srgbClr val="FFFFFF"/>
+                </a:solidFill>
+              </a14:hiddenFill>
+            </a:ext>
+          </a:extLst>
+        </p:spPr>
+      </p:pic>
+    </p:spTree>
+    <p:extLst>
+      <p:ext uri="{BB962C8B-B14F-4D97-AF65-F5344CB8AC3E}">
+        <p14:creationId xmlns:p14="http://schemas.microsoft.com/office/powerpoint/2010/main" val="3266950310"/>
+      </p:ext>
+    </p:extLst>
+  </p:cSld>
+  <p:clrMapOvr>
+    <a:masterClrMapping/>
+  </p:clrMapOvr>
+</p:sld>
+</file>
+
+<file path=ppt/slides/slide2.xml><?xml version="1.0" encoding="utf-8"?>
+<p:sld xmlns:a="http://schemas.openxmlformats.org/drawingml/2006/main" xmlns:r="http://schemas.openxmlformats.org/officeDocument/2006/relationships" xmlns:p="http://schemas.openxmlformats.org/presentationml/2006/main">
+  <p:cSld>
+    <p:spTree>
+      <p:nvGrpSpPr>
+        <p:cNvPr id="1" name=""/>
+        <p:cNvGrpSpPr/>
+        <p:nvPr/>
+      </p:nvGrpSpPr>
+      <p:grpSpPr>
+        <a:xfrm>
+          <a:off x="0" y="0"/>
+          <a:ext cx="0" cy="0"/>
+          <a:chOff x="0" y="0"/>
+          <a:chExt cx="0" cy="0"/>
+        </a:xfrm>
+      </p:grpSpPr>
       <p:sp>
         <p:nvSpPr>
           <p:cNvPr id="10" name="Скругленный прямоугольник 9"/>
@@ -3307,272 +3382,6 @@
       </p:pic>
       <p:sp>
         <p:nvSpPr>
-          <p:cNvPr id="13" name="Прямоугольник 12"/>
-          <p:cNvSpPr/>
-          <p:nvPr/>
-        </p:nvSpPr>
-        <p:spPr>
-          <a:xfrm>
-            <a:off x="2070479" y="1617352"/>
-            <a:ext cx="216024" cy="400110"/>
-          </a:xfrm>
-          <a:prstGeom prst="rect">
-            <a:avLst/>
-          </a:prstGeom>
-          <a:noFill/>
-        </p:spPr>
-        <p:txBody>
-          <a:bodyPr wrap="square" lIns="91440" tIns="45720" rIns="91440" bIns="45720">
-            <a:spAutoFit/>
-            <a:scene3d>
-              <a:camera prst="orthographicFront"/>
-              <a:lightRig rig="glow" dir="tl">
-                <a:rot lat="0" lon="0" rev="5400000"/>
-              </a:lightRig>
-            </a:scene3d>
-            <a:sp3d contourW="12700">
-              <a:bevelT w="25400" h="25400"/>
-              <a:contourClr>
-                <a:schemeClr val="accent6">
-                  <a:shade val="73000"/>
-                </a:schemeClr>
-              </a:contourClr>
-            </a:sp3d>
-          </a:bodyPr>
-          <a:lstStyle/>
-          <a:p>
-            <a:pPr algn="ctr"/>
-            <a:r>
-              <a:rPr lang="ru-RU" sz="2000" b="1" cap="none" spc="0" dirty="0" smtClean="0">
-                <a:ln w="11430"/>
-                <a:gradFill>
-                  <a:gsLst>
-                    <a:gs pos="0">
-                      <a:schemeClr val="accent6">
-                        <a:tint val="90000"/>
-                        <a:satMod val="120000"/>
-                      </a:schemeClr>
-                    </a:gs>
-                    <a:gs pos="25000">
-                      <a:schemeClr val="accent6">
-                        <a:tint val="93000"/>
-                        <a:satMod val="120000"/>
-                      </a:schemeClr>
-                    </a:gs>
-                    <a:gs pos="50000">
-                      <a:schemeClr val="accent6">
-                        <a:shade val="89000"/>
-                        <a:satMod val="110000"/>
-                      </a:schemeClr>
-                    </a:gs>
-                    <a:gs pos="75000">
-                      <a:schemeClr val="accent6">
-                        <a:tint val="93000"/>
-                        <a:satMod val="120000"/>
-                      </a:schemeClr>
-                    </a:gs>
-                    <a:gs pos="100000">
-                      <a:schemeClr val="accent6">
-                        <a:tint val="90000"/>
-                        <a:satMod val="120000"/>
-                      </a:schemeClr>
-                    </a:gs>
-                  </a:gsLst>
-                  <a:lin ang="5400000"/>
-                </a:gradFill>
-                <a:effectLst>
-                  <a:outerShdw blurRad="80000" dist="40000" dir="5040000" algn="tl">
-                    <a:srgbClr val="000000">
-                      <a:alpha val="30000"/>
-                    </a:srgbClr>
-                  </a:outerShdw>
-                </a:effectLst>
-              </a:rPr>
-              <a:t>7</a:t>
-            </a:r>
-            <a:endParaRPr lang="ru-RU" sz="6600" b="1" cap="none" spc="0" dirty="0">
-              <a:ln w="11430"/>
-              <a:gradFill>
-                <a:gsLst>
-                  <a:gs pos="0">
-                    <a:schemeClr val="accent6">
-                      <a:tint val="90000"/>
-                      <a:satMod val="120000"/>
-                    </a:schemeClr>
-                  </a:gs>
-                  <a:gs pos="25000">
-                    <a:schemeClr val="accent6">
-                      <a:tint val="93000"/>
-                      <a:satMod val="120000"/>
-                    </a:schemeClr>
-                  </a:gs>
-                  <a:gs pos="50000">
-                    <a:schemeClr val="accent6">
-                      <a:shade val="89000"/>
-                      <a:satMod val="110000"/>
-                    </a:schemeClr>
-                  </a:gs>
-                  <a:gs pos="75000">
-                    <a:schemeClr val="accent6">
-                      <a:tint val="93000"/>
-                      <a:satMod val="120000"/>
-                    </a:schemeClr>
-                  </a:gs>
-                  <a:gs pos="100000">
-                    <a:schemeClr val="accent6">
-                      <a:tint val="90000"/>
-                      <a:satMod val="120000"/>
-                    </a:schemeClr>
-                  </a:gs>
-                </a:gsLst>
-                <a:lin ang="5400000"/>
-              </a:gradFill>
-              <a:effectLst>
-                <a:outerShdw blurRad="80000" dist="40000" dir="5040000" algn="tl">
-                  <a:srgbClr val="000000">
-                    <a:alpha val="30000"/>
-                  </a:srgbClr>
-                </a:outerShdw>
-              </a:effectLst>
-            </a:endParaRPr>
-          </a:p>
-        </p:txBody>
-      </p:sp>
-      <p:sp>
-        <p:nvSpPr>
-          <p:cNvPr id="14" name="Прямоугольник 13"/>
-          <p:cNvSpPr/>
-          <p:nvPr/>
-        </p:nvSpPr>
-        <p:spPr>
-          <a:xfrm>
-            <a:off x="2231740" y="1817407"/>
-            <a:ext cx="216024" cy="400110"/>
-          </a:xfrm>
-          <a:prstGeom prst="rect">
-            <a:avLst/>
-          </a:prstGeom>
-          <a:noFill/>
-        </p:spPr>
-        <p:txBody>
-          <a:bodyPr wrap="square" lIns="91440" tIns="45720" rIns="91440" bIns="45720">
-            <a:spAutoFit/>
-            <a:scene3d>
-              <a:camera prst="orthographicFront"/>
-              <a:lightRig rig="glow" dir="tl">
-                <a:rot lat="0" lon="0" rev="5400000"/>
-              </a:lightRig>
-            </a:scene3d>
-            <a:sp3d contourW="12700">
-              <a:bevelT w="25400" h="25400"/>
-              <a:contourClr>
-                <a:schemeClr val="accent6">
-                  <a:shade val="73000"/>
-                </a:schemeClr>
-              </a:contourClr>
-            </a:sp3d>
-          </a:bodyPr>
-          <a:lstStyle/>
-          <a:p>
-            <a:pPr algn="ctr"/>
-            <a:r>
-              <a:rPr lang="ru-RU" sz="2000" b="1" cap="none" spc="0" dirty="0" smtClean="0">
-                <a:ln w="11430"/>
-                <a:gradFill>
-                  <a:gsLst>
-                    <a:gs pos="0">
-                      <a:schemeClr val="accent6">
-                        <a:tint val="90000"/>
-                        <a:satMod val="120000"/>
-                      </a:schemeClr>
-                    </a:gs>
-                    <a:gs pos="25000">
-                      <a:schemeClr val="accent6">
-                        <a:tint val="93000"/>
-                        <a:satMod val="120000"/>
-                      </a:schemeClr>
-                    </a:gs>
-                    <a:gs pos="50000">
-                      <a:schemeClr val="accent6">
-                        <a:shade val="89000"/>
-                        <a:satMod val="110000"/>
-                      </a:schemeClr>
-                    </a:gs>
-                    <a:gs pos="75000">
-                      <a:schemeClr val="accent6">
-                        <a:tint val="93000"/>
-                        <a:satMod val="120000"/>
-                      </a:schemeClr>
-                    </a:gs>
-                    <a:gs pos="100000">
-                      <a:schemeClr val="accent6">
-                        <a:tint val="90000"/>
-                        <a:satMod val="120000"/>
-                      </a:schemeClr>
-                    </a:gs>
-                  </a:gsLst>
-                  <a:lin ang="5400000"/>
-                </a:gradFill>
-                <a:effectLst>
-                  <a:outerShdw blurRad="80000" dist="40000" dir="5040000" algn="tl">
-                    <a:srgbClr val="000000">
-                      <a:alpha val="30000"/>
-                    </a:srgbClr>
-                  </a:outerShdw>
-                </a:effectLst>
-              </a:rPr>
-              <a:t>8</a:t>
-            </a:r>
-            <a:endParaRPr lang="ru-RU" sz="6600" b="1" cap="none" spc="0" dirty="0">
-              <a:ln w="11430"/>
-              <a:gradFill>
-                <a:gsLst>
-                  <a:gs pos="0">
-                    <a:schemeClr val="accent6">
-                      <a:tint val="90000"/>
-                      <a:satMod val="120000"/>
-                    </a:schemeClr>
-                  </a:gs>
-                  <a:gs pos="25000">
-                    <a:schemeClr val="accent6">
-                      <a:tint val="93000"/>
-                      <a:satMod val="120000"/>
-                    </a:schemeClr>
-                  </a:gs>
-                  <a:gs pos="50000">
-                    <a:schemeClr val="accent6">
-                      <a:shade val="89000"/>
-                      <a:satMod val="110000"/>
-                    </a:schemeClr>
-                  </a:gs>
-                  <a:gs pos="75000">
-                    <a:schemeClr val="accent6">
-                      <a:tint val="93000"/>
-                      <a:satMod val="120000"/>
-                    </a:schemeClr>
-                  </a:gs>
-                  <a:gs pos="100000">
-                    <a:schemeClr val="accent6">
-                      <a:tint val="90000"/>
-                      <a:satMod val="120000"/>
-                    </a:schemeClr>
-                  </a:gs>
-                </a:gsLst>
-                <a:lin ang="5400000"/>
-              </a:gradFill>
-              <a:effectLst>
-                <a:outerShdw blurRad="80000" dist="40000" dir="5040000" algn="tl">
-                  <a:srgbClr val="000000">
-                    <a:alpha val="30000"/>
-                  </a:srgbClr>
-                </a:outerShdw>
-              </a:effectLst>
-            </a:endParaRPr>
-          </a:p>
-        </p:txBody>
-      </p:sp>
-      <p:sp>
-        <p:nvSpPr>
           <p:cNvPr id="15" name="Скругленный прямоугольник 14"/>
           <p:cNvSpPr/>
           <p:nvPr/>
@@ -3618,7 +3427,7 @@
         </p:nvGrpSpPr>
         <p:grpSpPr>
           <a:xfrm>
-            <a:off x="4013938" y="1701387"/>
+            <a:off x="2945094" y="939152"/>
             <a:ext cx="722939" cy="830998"/>
             <a:chOff x="4013938" y="1701387"/>
             <a:chExt cx="722939" cy="830998"/>
@@ -4222,10 +4031,1504 @@
           </p:txBody>
         </p:sp>
       </p:grpSp>
+      <p:pic>
+        <p:nvPicPr>
+          <p:cNvPr id="1027" name="Picture 3" descr="C:\Users\Anton\Documents\Business\IT\02_Labor\04_POCs\Numerology999\Numerology999\Numerology999\Resources\drawable\Icon.png"/>
+          <p:cNvPicPr>
+            <a:picLocks noChangeAspect="1" noChangeArrowheads="1"/>
+          </p:cNvPicPr>
+          <p:nvPr/>
+        </p:nvPicPr>
+        <p:blipFill>
+          <a:blip r:embed="rId3">
+            <a:extLst>
+              <a:ext uri="{28A0092B-C50C-407E-A947-70E740481C1C}">
+                <a14:useLocalDpi xmlns:a14="http://schemas.microsoft.com/office/drawing/2010/main" val="0"/>
+              </a:ext>
+            </a:extLst>
+          </a:blip>
+          <a:srcRect/>
+          <a:stretch>
+            <a:fillRect/>
+          </a:stretch>
+        </p:blipFill>
+        <p:spPr bwMode="auto">
+          <a:xfrm>
+            <a:off x="3769320" y="891895"/>
+            <a:ext cx="925512" cy="925512"/>
+          </a:xfrm>
+          <a:prstGeom prst="rect">
+            <a:avLst/>
+          </a:prstGeom>
+          <a:noFill/>
+          <a:extLst>
+            <a:ext uri="{909E8E84-426E-40DD-AFC4-6F175D3DCCD1}">
+              <a14:hiddenFill xmlns:a14="http://schemas.microsoft.com/office/drawing/2010/main">
+                <a:solidFill>
+                  <a:srgbClr val="FFFFFF"/>
+                </a:solidFill>
+              </a14:hiddenFill>
+            </a:ext>
+          </a:extLst>
+        </p:spPr>
+      </p:pic>
+      <p:pic>
+        <p:nvPicPr>
+          <p:cNvPr id="1028" name="Picture 4" descr="Ãhnliches Foto"/>
+          <p:cNvPicPr>
+            <a:picLocks noChangeAspect="1" noChangeArrowheads="1"/>
+          </p:cNvPicPr>
+          <p:nvPr/>
+        </p:nvPicPr>
+        <p:blipFill>
+          <a:blip r:embed="rId4">
+            <a:extLst>
+              <a:ext uri="{28A0092B-C50C-407E-A947-70E740481C1C}">
+                <a14:useLocalDpi xmlns:a14="http://schemas.microsoft.com/office/drawing/2010/main" val="0"/>
+              </a:ext>
+            </a:extLst>
+          </a:blip>
+          <a:srcRect/>
+          <a:stretch>
+            <a:fillRect/>
+          </a:stretch>
+        </p:blipFill>
+        <p:spPr bwMode="auto">
+          <a:xfrm>
+            <a:off x="2803568" y="1935510"/>
+            <a:ext cx="3782527" cy="3782527"/>
+          </a:xfrm>
+          <a:prstGeom prst="rect">
+            <a:avLst/>
+          </a:prstGeom>
+          <a:noFill/>
+          <a:extLst>
+            <a:ext uri="{909E8E84-426E-40DD-AFC4-6F175D3DCCD1}">
+              <a14:hiddenFill xmlns:a14="http://schemas.microsoft.com/office/drawing/2010/main">
+                <a:solidFill>
+                  <a:srgbClr val="FFFFFF"/>
+                </a:solidFill>
+              </a14:hiddenFill>
+            </a:ext>
+          </a:extLst>
+        </p:spPr>
+      </p:pic>
     </p:spTree>
     <p:extLst>
       <p:ext uri="{BB962C8B-B14F-4D97-AF65-F5344CB8AC3E}">
-        <p14:creationId xmlns:p14="http://schemas.microsoft.com/office/powerpoint/2010/main" val="3266950310"/>
+        <p14:creationId xmlns:p14="http://schemas.microsoft.com/office/powerpoint/2010/main" val="2432061716"/>
+      </p:ext>
+    </p:extLst>
+  </p:cSld>
+  <p:clrMapOvr>
+    <a:masterClrMapping/>
+  </p:clrMapOvr>
+</p:sld>
+</file>
+
+<file path=ppt/slides/slide3.xml><?xml version="1.0" encoding="utf-8"?>
+<p:sld xmlns:a="http://schemas.openxmlformats.org/drawingml/2006/main" xmlns:r="http://schemas.openxmlformats.org/officeDocument/2006/relationships" xmlns:p="http://schemas.openxmlformats.org/presentationml/2006/main">
+  <p:cSld>
+    <p:spTree>
+      <p:nvGrpSpPr>
+        <p:cNvPr id="1" name=""/>
+        <p:cNvGrpSpPr/>
+        <p:nvPr/>
+      </p:nvGrpSpPr>
+      <p:grpSpPr>
+        <a:xfrm>
+          <a:off x="0" y="0"/>
+          <a:ext cx="0" cy="0"/>
+          <a:chOff x="0" y="0"/>
+          <a:chExt cx="0" cy="0"/>
+        </a:xfrm>
+      </p:grpSpPr>
+      <p:pic>
+        <p:nvPicPr>
+          <p:cNvPr id="25" name="Picture 3" descr="C:\Users\Anton\Documents\Business\IT\02_Labor\04_POCs\Numerology999\Numerology999\Numerology999\Resources\drawable\Icon.png"/>
+          <p:cNvPicPr>
+            <a:picLocks noChangeAspect="1" noChangeArrowheads="1"/>
+          </p:cNvPicPr>
+          <p:nvPr/>
+        </p:nvPicPr>
+        <p:blipFill>
+          <a:blip r:embed="rId2">
+            <a:extLst>
+              <a:ext uri="{28A0092B-C50C-407E-A947-70E740481C1C}">
+                <a14:useLocalDpi xmlns:a14="http://schemas.microsoft.com/office/drawing/2010/main" val="0"/>
+              </a:ext>
+            </a:extLst>
+          </a:blip>
+          <a:srcRect/>
+          <a:stretch>
+            <a:fillRect/>
+          </a:stretch>
+        </p:blipFill>
+        <p:spPr bwMode="auto">
+          <a:xfrm>
+            <a:off x="1529904" y="3410594"/>
+            <a:ext cx="925512" cy="925512"/>
+          </a:xfrm>
+          <a:prstGeom prst="rect">
+            <a:avLst/>
+          </a:prstGeom>
+          <a:noFill/>
+          <a:extLst>
+            <a:ext uri="{909E8E84-426E-40DD-AFC4-6F175D3DCCD1}">
+              <a14:hiddenFill xmlns:a14="http://schemas.microsoft.com/office/drawing/2010/main">
+                <a:solidFill>
+                  <a:srgbClr val="FFFFFF"/>
+                </a:solidFill>
+              </a14:hiddenFill>
+            </a:ext>
+          </a:extLst>
+        </p:spPr>
+      </p:pic>
+      <p:pic>
+        <p:nvPicPr>
+          <p:cNvPr id="1028" name="Picture 4" descr="Ãhnliches Foto"/>
+          <p:cNvPicPr>
+            <a:picLocks noChangeAspect="1" noChangeArrowheads="1"/>
+          </p:cNvPicPr>
+          <p:nvPr/>
+        </p:nvPicPr>
+        <p:blipFill>
+          <a:blip r:embed="rId3" cstate="print">
+            <a:extLst>
+              <a:ext uri="{28A0092B-C50C-407E-A947-70E740481C1C}">
+                <a14:useLocalDpi xmlns:a14="http://schemas.microsoft.com/office/drawing/2010/main" val="0"/>
+              </a:ext>
+            </a:extLst>
+          </a:blip>
+          <a:srcRect/>
+          <a:stretch>
+            <a:fillRect/>
+          </a:stretch>
+        </p:blipFill>
+        <p:spPr bwMode="auto">
+          <a:xfrm>
+            <a:off x="251520" y="2204864"/>
+            <a:ext cx="732811" cy="732811"/>
+          </a:xfrm>
+          <a:prstGeom prst="rect">
+            <a:avLst/>
+          </a:prstGeom>
+          <a:noFill/>
+          <a:extLst>
+            <a:ext uri="{909E8E84-426E-40DD-AFC4-6F175D3DCCD1}">
+              <a14:hiddenFill xmlns:a14="http://schemas.microsoft.com/office/drawing/2010/main">
+                <a:solidFill>
+                  <a:srgbClr val="FFFFFF"/>
+                </a:solidFill>
+              </a14:hiddenFill>
+            </a:ext>
+          </a:extLst>
+        </p:spPr>
+      </p:pic>
+      <p:sp>
+        <p:nvSpPr>
+          <p:cNvPr id="10" name="Скругленный прямоугольник 9"/>
+          <p:cNvSpPr/>
+          <p:nvPr/>
+        </p:nvSpPr>
+        <p:spPr>
+          <a:xfrm>
+            <a:off x="1475656" y="2505627"/>
+            <a:ext cx="720080" cy="720080"/>
+          </a:xfrm>
+          <a:prstGeom prst="roundRect">
+            <a:avLst/>
+          </a:prstGeom>
+          <a:gradFill flip="none" rotWithShape="1">
+            <a:gsLst>
+              <a:gs pos="0">
+                <a:schemeClr val="accent1">
+                  <a:tint val="66000"/>
+                  <a:satMod val="160000"/>
+                  <a:lumMod val="100000"/>
+                </a:schemeClr>
+              </a:gs>
+              <a:gs pos="62000">
+                <a:schemeClr val="accent1">
+                  <a:tint val="44500"/>
+                  <a:satMod val="160000"/>
+                </a:schemeClr>
+              </a:gs>
+              <a:gs pos="73000">
+                <a:schemeClr val="accent1">
+                  <a:tint val="23500"/>
+                  <a:satMod val="160000"/>
+                </a:schemeClr>
+              </a:gs>
+            </a:gsLst>
+            <a:lin ang="4800000" scaled="0"/>
+            <a:tileRect/>
+          </a:gradFill>
+        </p:spPr>
+        <p:style>
+          <a:lnRef idx="3">
+            <a:schemeClr val="lt1"/>
+          </a:lnRef>
+          <a:fillRef idx="1">
+            <a:schemeClr val="accent1"/>
+          </a:fillRef>
+          <a:effectRef idx="1">
+            <a:schemeClr val="accent1"/>
+          </a:effectRef>
+          <a:fontRef idx="minor">
+            <a:schemeClr val="lt1"/>
+          </a:fontRef>
+        </p:style>
+        <p:txBody>
+          <a:bodyPr rtlCol="0" anchor="ctr"/>
+          <a:lstStyle/>
+          <a:p>
+            <a:pPr algn="ctr"/>
+            <a:endParaRPr lang="ru-RU"/>
+          </a:p>
+        </p:txBody>
+      </p:sp>
+      <p:sp>
+        <p:nvSpPr>
+          <p:cNvPr id="22" name="Скругленный прямоугольник 21"/>
+          <p:cNvSpPr/>
+          <p:nvPr/>
+        </p:nvSpPr>
+        <p:spPr>
+          <a:xfrm>
+            <a:off x="1475656" y="2505627"/>
+            <a:ext cx="720080" cy="720080"/>
+          </a:xfrm>
+          <a:prstGeom prst="roundRect">
+            <a:avLst/>
+          </a:prstGeom>
+          <a:gradFill flip="none" rotWithShape="1">
+            <a:gsLst>
+              <a:gs pos="28000">
+                <a:schemeClr val="accent1">
+                  <a:tint val="23500"/>
+                  <a:satMod val="160000"/>
+                  <a:alpha val="0"/>
+                </a:schemeClr>
+              </a:gs>
+              <a:gs pos="13000">
+                <a:schemeClr val="bg1"/>
+              </a:gs>
+              <a:gs pos="20000">
+                <a:schemeClr val="accent1">
+                  <a:tint val="44500"/>
+                  <a:satMod val="160000"/>
+                </a:schemeClr>
+              </a:gs>
+            </a:gsLst>
+            <a:lin ang="4800000" scaled="0"/>
+            <a:tileRect/>
+          </a:gradFill>
+          <a:ln>
+            <a:noFill/>
+          </a:ln>
+          <a:effectLst/>
+        </p:spPr>
+        <p:style>
+          <a:lnRef idx="3">
+            <a:schemeClr val="lt1"/>
+          </a:lnRef>
+          <a:fillRef idx="1">
+            <a:schemeClr val="accent1"/>
+          </a:fillRef>
+          <a:effectRef idx="1">
+            <a:schemeClr val="accent1"/>
+          </a:effectRef>
+          <a:fontRef idx="minor">
+            <a:schemeClr val="lt1"/>
+          </a:fontRef>
+        </p:style>
+        <p:txBody>
+          <a:bodyPr rtlCol="0" anchor="ctr"/>
+          <a:lstStyle/>
+          <a:p>
+            <a:pPr algn="ctr"/>
+            <a:endParaRPr lang="ru-RU"/>
+          </a:p>
+        </p:txBody>
+      </p:sp>
+      <p:sp>
+        <p:nvSpPr>
+          <p:cNvPr id="15" name="Скругленный прямоугольник 14"/>
+          <p:cNvSpPr/>
+          <p:nvPr/>
+        </p:nvSpPr>
+        <p:spPr>
+          <a:xfrm>
+            <a:off x="1475656" y="2505627"/>
+            <a:ext cx="720080" cy="720080"/>
+          </a:xfrm>
+          <a:prstGeom prst="roundRect">
+            <a:avLst/>
+          </a:prstGeom>
+          <a:noFill/>
+        </p:spPr>
+        <p:style>
+          <a:lnRef idx="3">
+            <a:schemeClr val="lt1"/>
+          </a:lnRef>
+          <a:fillRef idx="1">
+            <a:schemeClr val="accent1"/>
+          </a:fillRef>
+          <a:effectRef idx="1">
+            <a:schemeClr val="accent1"/>
+          </a:effectRef>
+          <a:fontRef idx="minor">
+            <a:schemeClr val="lt1"/>
+          </a:fontRef>
+        </p:style>
+        <p:txBody>
+          <a:bodyPr rtlCol="0" anchor="ctr"/>
+          <a:lstStyle/>
+          <a:p>
+            <a:pPr algn="ctr"/>
+            <a:endParaRPr lang="ru-RU"/>
+          </a:p>
+        </p:txBody>
+      </p:sp>
+      <p:grpSp>
+        <p:nvGrpSpPr>
+          <p:cNvPr id="13" name="Группа 12"/>
+          <p:cNvGrpSpPr/>
+          <p:nvPr/>
+        </p:nvGrpSpPr>
+        <p:grpSpPr>
+          <a:xfrm>
+            <a:off x="2348740" y="2636912"/>
+            <a:ext cx="1132548" cy="797695"/>
+            <a:chOff x="1268620" y="2509031"/>
+            <a:chExt cx="1132548" cy="797695"/>
+          </a:xfrm>
+        </p:grpSpPr>
+        <p:sp>
+          <p:nvSpPr>
+            <p:cNvPr id="3" name="TextBox 2"/>
+            <p:cNvSpPr txBox="1"/>
+            <p:nvPr/>
+          </p:nvSpPr>
+          <p:spPr>
+            <a:xfrm>
+              <a:off x="1331640" y="2509031"/>
+              <a:ext cx="961748" cy="646331"/>
+            </a:xfrm>
+            <a:prstGeom prst="rect">
+              <a:avLst/>
+            </a:prstGeom>
+            <a:noFill/>
+            <a:effectLst/>
+          </p:spPr>
+          <p:txBody>
+            <a:bodyPr wrap="square" rtlCol="0" anchor="ctr">
+              <a:spAutoFit/>
+            </a:bodyPr>
+            <a:lstStyle/>
+            <a:p>
+              <a:pPr algn="ctr"/>
+              <a:r>
+                <a:rPr lang="de-CH" sz="3600" b="1" spc="-300" dirty="0" smtClean="0">
+                  <a:ln w="13500">
+                    <a:solidFill>
+                      <a:schemeClr val="accent1">
+                        <a:shade val="2500"/>
+                        <a:alpha val="6500"/>
+                      </a:schemeClr>
+                    </a:solidFill>
+                    <a:prstDash val="solid"/>
+                  </a:ln>
+                  <a:solidFill>
+                    <a:schemeClr val="tx2">
+                      <a:lumMod val="60000"/>
+                      <a:lumOff val="40000"/>
+                      <a:alpha val="95000"/>
+                    </a:schemeClr>
+                  </a:solidFill>
+                  <a:effectLst>
+                    <a:innerShdw blurRad="50900" dist="38500" dir="13500000">
+                      <a:srgbClr val="000000">
+                        <a:alpha val="60000"/>
+                      </a:srgbClr>
+                    </a:innerShdw>
+                  </a:effectLst>
+                  <a:latin typeface="AR DELANEY" pitchFamily="2" charset="0"/>
+                </a:rPr>
+                <a:t>999</a:t>
+              </a:r>
+              <a:endParaRPr lang="ru-RU" b="1" spc="-300" dirty="0">
+                <a:ln w="13500">
+                  <a:solidFill>
+                    <a:schemeClr val="accent1">
+                      <a:shade val="2500"/>
+                      <a:alpha val="6500"/>
+                    </a:schemeClr>
+                  </a:solidFill>
+                  <a:prstDash val="solid"/>
+                </a:ln>
+                <a:solidFill>
+                  <a:schemeClr val="tx2">
+                    <a:lumMod val="60000"/>
+                    <a:lumOff val="40000"/>
+                    <a:alpha val="95000"/>
+                  </a:schemeClr>
+                </a:solidFill>
+                <a:effectLst>
+                  <a:innerShdw blurRad="50900" dist="38500" dir="13500000">
+                    <a:srgbClr val="000000">
+                      <a:alpha val="60000"/>
+                    </a:srgbClr>
+                  </a:innerShdw>
+                </a:effectLst>
+              </a:endParaRPr>
+            </a:p>
+          </p:txBody>
+        </p:sp>
+        <p:sp>
+          <p:nvSpPr>
+            <p:cNvPr id="6" name="Круглая лента лицом вверх 5"/>
+            <p:cNvSpPr/>
+            <p:nvPr/>
+          </p:nvSpPr>
+          <p:spPr>
+            <a:xfrm>
+              <a:off x="1268620" y="3013087"/>
+              <a:ext cx="1132548" cy="293639"/>
+            </a:xfrm>
+            <a:prstGeom prst="ellipseRibbon2">
+              <a:avLst>
+                <a:gd name="adj1" fmla="val 26558"/>
+                <a:gd name="adj2" fmla="val 100000"/>
+                <a:gd name="adj3" fmla="val 9258"/>
+              </a:avLst>
+            </a:prstGeom>
+            <a:solidFill>
+              <a:schemeClr val="accent1"/>
+            </a:solidFill>
+            <a:ln>
+              <a:noFill/>
+            </a:ln>
+          </p:spPr>
+          <p:style>
+            <a:lnRef idx="2">
+              <a:schemeClr val="accent1">
+                <a:shade val="50000"/>
+              </a:schemeClr>
+            </a:lnRef>
+            <a:fillRef idx="1">
+              <a:schemeClr val="accent1"/>
+            </a:fillRef>
+            <a:effectRef idx="0">
+              <a:schemeClr val="accent1"/>
+            </a:effectRef>
+            <a:fontRef idx="minor">
+              <a:schemeClr val="lt1"/>
+            </a:fontRef>
+          </p:style>
+          <p:txBody>
+            <a:bodyPr rtlCol="0" anchor="ctr"/>
+            <a:lstStyle/>
+            <a:p>
+              <a:pPr algn="ctr"/>
+              <a:endParaRPr lang="ru-RU"/>
+            </a:p>
+          </p:txBody>
+        </p:sp>
+        <p:sp>
+          <p:nvSpPr>
+            <p:cNvPr id="5" name="TextBox 4"/>
+            <p:cNvSpPr txBox="1"/>
+            <p:nvPr/>
+          </p:nvSpPr>
+          <p:spPr>
+            <a:xfrm>
+              <a:off x="1439593" y="3019941"/>
+              <a:ext cx="790602" cy="171061"/>
+            </a:xfrm>
+            <a:prstGeom prst="rect">
+              <a:avLst/>
+            </a:prstGeom>
+            <a:noFill/>
+          </p:spPr>
+          <p:txBody>
+            <a:bodyPr wrap="none" rtlCol="0" anchor="ctr">
+              <a:prstTxWarp prst="textTriangle">
+                <a:avLst>
+                  <a:gd name="adj" fmla="val 28743"/>
+                </a:avLst>
+              </a:prstTxWarp>
+              <a:spAutoFit/>
+            </a:bodyPr>
+            <a:lstStyle/>
+            <a:p>
+              <a:pPr algn="ctr"/>
+              <a:r>
+                <a:rPr lang="de-CH" sz="1050" dirty="0" smtClean="0">
+                  <a:solidFill>
+                    <a:schemeClr val="bg1"/>
+                  </a:solidFill>
+                  <a:latin typeface="AR DELANEY" pitchFamily="2" charset="0"/>
+                </a:rPr>
+                <a:t>NUMBERS</a:t>
+              </a:r>
+              <a:endParaRPr lang="ru-RU" sz="1050" dirty="0">
+                <a:solidFill>
+                  <a:schemeClr val="bg1"/>
+                </a:solidFill>
+              </a:endParaRPr>
+            </a:p>
+          </p:txBody>
+        </p:sp>
+      </p:grpSp>
+      <p:sp>
+        <p:nvSpPr>
+          <p:cNvPr id="14" name="Блок-схема: задержка 13"/>
+          <p:cNvSpPr/>
+          <p:nvPr/>
+        </p:nvSpPr>
+        <p:spPr>
+          <a:xfrm rot="5400000">
+            <a:off x="1655127" y="2319011"/>
+            <a:ext cx="367184" cy="726126"/>
+          </a:xfrm>
+          <a:custGeom>
+            <a:avLst/>
+            <a:gdLst>
+              <a:gd name="connsiteX0" fmla="*/ 0 w 288032"/>
+              <a:gd name="connsiteY0" fmla="*/ 0 h 714912"/>
+              <a:gd name="connsiteX1" fmla="*/ 144016 w 288032"/>
+              <a:gd name="connsiteY1" fmla="*/ 0 h 714912"/>
+              <a:gd name="connsiteX2" fmla="*/ 288032 w 288032"/>
+              <a:gd name="connsiteY2" fmla="*/ 357456 h 714912"/>
+              <a:gd name="connsiteX3" fmla="*/ 144016 w 288032"/>
+              <a:gd name="connsiteY3" fmla="*/ 714912 h 714912"/>
+              <a:gd name="connsiteX4" fmla="*/ 0 w 288032"/>
+              <a:gd name="connsiteY4" fmla="*/ 714912 h 714912"/>
+              <a:gd name="connsiteX5" fmla="*/ 0 w 288032"/>
+              <a:gd name="connsiteY5" fmla="*/ 0 h 714912"/>
+              <a:gd name="connsiteX0" fmla="*/ 0 w 295176"/>
+              <a:gd name="connsiteY0" fmla="*/ 97632 h 714912"/>
+              <a:gd name="connsiteX1" fmla="*/ 151160 w 295176"/>
+              <a:gd name="connsiteY1" fmla="*/ 0 h 714912"/>
+              <a:gd name="connsiteX2" fmla="*/ 295176 w 295176"/>
+              <a:gd name="connsiteY2" fmla="*/ 357456 h 714912"/>
+              <a:gd name="connsiteX3" fmla="*/ 151160 w 295176"/>
+              <a:gd name="connsiteY3" fmla="*/ 714912 h 714912"/>
+              <a:gd name="connsiteX4" fmla="*/ 7144 w 295176"/>
+              <a:gd name="connsiteY4" fmla="*/ 714912 h 714912"/>
+              <a:gd name="connsiteX5" fmla="*/ 0 w 295176"/>
+              <a:gd name="connsiteY5" fmla="*/ 97632 h 714912"/>
+              <a:gd name="connsiteX0" fmla="*/ 0 w 295176"/>
+              <a:gd name="connsiteY0" fmla="*/ 97632 h 714912"/>
+              <a:gd name="connsiteX1" fmla="*/ 151160 w 295176"/>
+              <a:gd name="connsiteY1" fmla="*/ 0 h 714912"/>
+              <a:gd name="connsiteX2" fmla="*/ 295176 w 295176"/>
+              <a:gd name="connsiteY2" fmla="*/ 357456 h 714912"/>
+              <a:gd name="connsiteX3" fmla="*/ 151160 w 295176"/>
+              <a:gd name="connsiteY3" fmla="*/ 714912 h 714912"/>
+              <a:gd name="connsiteX4" fmla="*/ 7144 w 295176"/>
+              <a:gd name="connsiteY4" fmla="*/ 714912 h 714912"/>
+              <a:gd name="connsiteX5" fmla="*/ 0 w 295176"/>
+              <a:gd name="connsiteY5" fmla="*/ 97632 h 714912"/>
+              <a:gd name="connsiteX0" fmla="*/ 0 w 295176"/>
+              <a:gd name="connsiteY0" fmla="*/ 97632 h 714912"/>
+              <a:gd name="connsiteX1" fmla="*/ 151160 w 295176"/>
+              <a:gd name="connsiteY1" fmla="*/ 0 h 714912"/>
+              <a:gd name="connsiteX2" fmla="*/ 295176 w 295176"/>
+              <a:gd name="connsiteY2" fmla="*/ 357456 h 714912"/>
+              <a:gd name="connsiteX3" fmla="*/ 151160 w 295176"/>
+              <a:gd name="connsiteY3" fmla="*/ 714912 h 714912"/>
+              <a:gd name="connsiteX4" fmla="*/ 2382 w 295176"/>
+              <a:gd name="connsiteY4" fmla="*/ 629187 h 714912"/>
+              <a:gd name="connsiteX5" fmla="*/ 0 w 295176"/>
+              <a:gd name="connsiteY5" fmla="*/ 97632 h 714912"/>
+              <a:gd name="connsiteX0" fmla="*/ 0 w 295176"/>
+              <a:gd name="connsiteY0" fmla="*/ 97632 h 714912"/>
+              <a:gd name="connsiteX1" fmla="*/ 151160 w 295176"/>
+              <a:gd name="connsiteY1" fmla="*/ 0 h 714912"/>
+              <a:gd name="connsiteX2" fmla="*/ 295176 w 295176"/>
+              <a:gd name="connsiteY2" fmla="*/ 357456 h 714912"/>
+              <a:gd name="connsiteX3" fmla="*/ 151160 w 295176"/>
+              <a:gd name="connsiteY3" fmla="*/ 714912 h 714912"/>
+              <a:gd name="connsiteX4" fmla="*/ 2382 w 295176"/>
+              <a:gd name="connsiteY4" fmla="*/ 629187 h 714912"/>
+              <a:gd name="connsiteX5" fmla="*/ 0 w 295176"/>
+              <a:gd name="connsiteY5" fmla="*/ 97632 h 714912"/>
+              <a:gd name="connsiteX0" fmla="*/ 0 w 295176"/>
+              <a:gd name="connsiteY0" fmla="*/ 107210 h 724490"/>
+              <a:gd name="connsiteX1" fmla="*/ 151160 w 295176"/>
+              <a:gd name="connsiteY1" fmla="*/ 9578 h 724490"/>
+              <a:gd name="connsiteX2" fmla="*/ 295176 w 295176"/>
+              <a:gd name="connsiteY2" fmla="*/ 367034 h 724490"/>
+              <a:gd name="connsiteX3" fmla="*/ 151160 w 295176"/>
+              <a:gd name="connsiteY3" fmla="*/ 724490 h 724490"/>
+              <a:gd name="connsiteX4" fmla="*/ 2382 w 295176"/>
+              <a:gd name="connsiteY4" fmla="*/ 638765 h 724490"/>
+              <a:gd name="connsiteX5" fmla="*/ 0 w 295176"/>
+              <a:gd name="connsiteY5" fmla="*/ 107210 h 724490"/>
+              <a:gd name="connsiteX0" fmla="*/ 0 w 295176"/>
+              <a:gd name="connsiteY0" fmla="*/ 98224 h 715504"/>
+              <a:gd name="connsiteX1" fmla="*/ 151160 w 295176"/>
+              <a:gd name="connsiteY1" fmla="*/ 592 h 715504"/>
+              <a:gd name="connsiteX2" fmla="*/ 295176 w 295176"/>
+              <a:gd name="connsiteY2" fmla="*/ 358048 h 715504"/>
+              <a:gd name="connsiteX3" fmla="*/ 151160 w 295176"/>
+              <a:gd name="connsiteY3" fmla="*/ 715504 h 715504"/>
+              <a:gd name="connsiteX4" fmla="*/ 2382 w 295176"/>
+              <a:gd name="connsiteY4" fmla="*/ 629779 h 715504"/>
+              <a:gd name="connsiteX5" fmla="*/ 0 w 295176"/>
+              <a:gd name="connsiteY5" fmla="*/ 98224 h 715504"/>
+              <a:gd name="connsiteX0" fmla="*/ 9829 w 305005"/>
+              <a:gd name="connsiteY0" fmla="*/ 98224 h 715504"/>
+              <a:gd name="connsiteX1" fmla="*/ 160989 w 305005"/>
+              <a:gd name="connsiteY1" fmla="*/ 592 h 715504"/>
+              <a:gd name="connsiteX2" fmla="*/ 305005 w 305005"/>
+              <a:gd name="connsiteY2" fmla="*/ 358048 h 715504"/>
+              <a:gd name="connsiteX3" fmla="*/ 160989 w 305005"/>
+              <a:gd name="connsiteY3" fmla="*/ 715504 h 715504"/>
+              <a:gd name="connsiteX4" fmla="*/ 12211 w 305005"/>
+              <a:gd name="connsiteY4" fmla="*/ 629779 h 715504"/>
+              <a:gd name="connsiteX5" fmla="*/ 17045 w 305005"/>
+              <a:gd name="connsiteY5" fmla="*/ 348072 h 715504"/>
+              <a:gd name="connsiteX6" fmla="*/ 9829 w 305005"/>
+              <a:gd name="connsiteY6" fmla="*/ 98224 h 715504"/>
+              <a:gd name="connsiteX0" fmla="*/ 9471 w 304647"/>
+              <a:gd name="connsiteY0" fmla="*/ 98224 h 715504"/>
+              <a:gd name="connsiteX1" fmla="*/ 160631 w 304647"/>
+              <a:gd name="connsiteY1" fmla="*/ 592 h 715504"/>
+              <a:gd name="connsiteX2" fmla="*/ 304647 w 304647"/>
+              <a:gd name="connsiteY2" fmla="*/ 358048 h 715504"/>
+              <a:gd name="connsiteX3" fmla="*/ 160631 w 304647"/>
+              <a:gd name="connsiteY3" fmla="*/ 715504 h 715504"/>
+              <a:gd name="connsiteX4" fmla="*/ 11853 w 304647"/>
+              <a:gd name="connsiteY4" fmla="*/ 629779 h 715504"/>
+              <a:gd name="connsiteX5" fmla="*/ 18602 w 304647"/>
+              <a:gd name="connsiteY5" fmla="*/ 343310 h 715504"/>
+              <a:gd name="connsiteX6" fmla="*/ 9471 w 304647"/>
+              <a:gd name="connsiteY6" fmla="*/ 98224 h 715504"/>
+              <a:gd name="connsiteX0" fmla="*/ 9470 w 304646"/>
+              <a:gd name="connsiteY0" fmla="*/ 98224 h 715504"/>
+              <a:gd name="connsiteX1" fmla="*/ 160630 w 304646"/>
+              <a:gd name="connsiteY1" fmla="*/ 592 h 715504"/>
+              <a:gd name="connsiteX2" fmla="*/ 304646 w 304646"/>
+              <a:gd name="connsiteY2" fmla="*/ 358048 h 715504"/>
+              <a:gd name="connsiteX3" fmla="*/ 160630 w 304646"/>
+              <a:gd name="connsiteY3" fmla="*/ 715504 h 715504"/>
+              <a:gd name="connsiteX4" fmla="*/ 11852 w 304646"/>
+              <a:gd name="connsiteY4" fmla="*/ 629779 h 715504"/>
+              <a:gd name="connsiteX5" fmla="*/ 18601 w 304646"/>
+              <a:gd name="connsiteY5" fmla="*/ 343310 h 715504"/>
+              <a:gd name="connsiteX6" fmla="*/ 9470 w 304646"/>
+              <a:gd name="connsiteY6" fmla="*/ 98224 h 715504"/>
+              <a:gd name="connsiteX0" fmla="*/ 7402 w 302578"/>
+              <a:gd name="connsiteY0" fmla="*/ 98224 h 715504"/>
+              <a:gd name="connsiteX1" fmla="*/ 158562 w 302578"/>
+              <a:gd name="connsiteY1" fmla="*/ 592 h 715504"/>
+              <a:gd name="connsiteX2" fmla="*/ 302578 w 302578"/>
+              <a:gd name="connsiteY2" fmla="*/ 358048 h 715504"/>
+              <a:gd name="connsiteX3" fmla="*/ 158562 w 302578"/>
+              <a:gd name="connsiteY3" fmla="*/ 715504 h 715504"/>
+              <a:gd name="connsiteX4" fmla="*/ 9784 w 302578"/>
+              <a:gd name="connsiteY4" fmla="*/ 629779 h 715504"/>
+              <a:gd name="connsiteX5" fmla="*/ 16533 w 302578"/>
+              <a:gd name="connsiteY5" fmla="*/ 343310 h 715504"/>
+              <a:gd name="connsiteX6" fmla="*/ 7402 w 302578"/>
+              <a:gd name="connsiteY6" fmla="*/ 98224 h 715504"/>
+              <a:gd name="connsiteX0" fmla="*/ 0 w 295176"/>
+              <a:gd name="connsiteY0" fmla="*/ 98224 h 715504"/>
+              <a:gd name="connsiteX1" fmla="*/ 151160 w 295176"/>
+              <a:gd name="connsiteY1" fmla="*/ 592 h 715504"/>
+              <a:gd name="connsiteX2" fmla="*/ 295176 w 295176"/>
+              <a:gd name="connsiteY2" fmla="*/ 358048 h 715504"/>
+              <a:gd name="connsiteX3" fmla="*/ 151160 w 295176"/>
+              <a:gd name="connsiteY3" fmla="*/ 715504 h 715504"/>
+              <a:gd name="connsiteX4" fmla="*/ 2382 w 295176"/>
+              <a:gd name="connsiteY4" fmla="*/ 629779 h 715504"/>
+              <a:gd name="connsiteX5" fmla="*/ 9131 w 295176"/>
+              <a:gd name="connsiteY5" fmla="*/ 343310 h 715504"/>
+              <a:gd name="connsiteX6" fmla="*/ 0 w 295176"/>
+              <a:gd name="connsiteY6" fmla="*/ 98224 h 715504"/>
+              <a:gd name="connsiteX0" fmla="*/ 0 w 295176"/>
+              <a:gd name="connsiteY0" fmla="*/ 98224 h 715504"/>
+              <a:gd name="connsiteX1" fmla="*/ 151160 w 295176"/>
+              <a:gd name="connsiteY1" fmla="*/ 592 h 715504"/>
+              <a:gd name="connsiteX2" fmla="*/ 295176 w 295176"/>
+              <a:gd name="connsiteY2" fmla="*/ 358048 h 715504"/>
+              <a:gd name="connsiteX3" fmla="*/ 151160 w 295176"/>
+              <a:gd name="connsiteY3" fmla="*/ 715504 h 715504"/>
+              <a:gd name="connsiteX4" fmla="*/ 2382 w 295176"/>
+              <a:gd name="connsiteY4" fmla="*/ 629779 h 715504"/>
+              <a:gd name="connsiteX5" fmla="*/ 9131 w 295176"/>
+              <a:gd name="connsiteY5" fmla="*/ 343310 h 715504"/>
+              <a:gd name="connsiteX6" fmla="*/ 0 w 295176"/>
+              <a:gd name="connsiteY6" fmla="*/ 98224 h 715504"/>
+              <a:gd name="connsiteX0" fmla="*/ 0 w 295176"/>
+              <a:gd name="connsiteY0" fmla="*/ 101132 h 718412"/>
+              <a:gd name="connsiteX1" fmla="*/ 151160 w 295176"/>
+              <a:gd name="connsiteY1" fmla="*/ 3500 h 718412"/>
+              <a:gd name="connsiteX2" fmla="*/ 295176 w 295176"/>
+              <a:gd name="connsiteY2" fmla="*/ 360956 h 718412"/>
+              <a:gd name="connsiteX3" fmla="*/ 151160 w 295176"/>
+              <a:gd name="connsiteY3" fmla="*/ 718412 h 718412"/>
+              <a:gd name="connsiteX4" fmla="*/ 2382 w 295176"/>
+              <a:gd name="connsiteY4" fmla="*/ 632687 h 718412"/>
+              <a:gd name="connsiteX5" fmla="*/ 9131 w 295176"/>
+              <a:gd name="connsiteY5" fmla="*/ 346218 h 718412"/>
+              <a:gd name="connsiteX6" fmla="*/ 0 w 295176"/>
+              <a:gd name="connsiteY6" fmla="*/ 101132 h 718412"/>
+              <a:gd name="connsiteX0" fmla="*/ 0 w 295176"/>
+              <a:gd name="connsiteY0" fmla="*/ 109511 h 726791"/>
+              <a:gd name="connsiteX1" fmla="*/ 151160 w 295176"/>
+              <a:gd name="connsiteY1" fmla="*/ 2354 h 726791"/>
+              <a:gd name="connsiteX2" fmla="*/ 295176 w 295176"/>
+              <a:gd name="connsiteY2" fmla="*/ 369335 h 726791"/>
+              <a:gd name="connsiteX3" fmla="*/ 151160 w 295176"/>
+              <a:gd name="connsiteY3" fmla="*/ 726791 h 726791"/>
+              <a:gd name="connsiteX4" fmla="*/ 2382 w 295176"/>
+              <a:gd name="connsiteY4" fmla="*/ 641066 h 726791"/>
+              <a:gd name="connsiteX5" fmla="*/ 9131 w 295176"/>
+              <a:gd name="connsiteY5" fmla="*/ 354597 h 726791"/>
+              <a:gd name="connsiteX6" fmla="*/ 0 w 295176"/>
+              <a:gd name="connsiteY6" fmla="*/ 109511 h 726791"/>
+              <a:gd name="connsiteX0" fmla="*/ 0 w 295176"/>
+              <a:gd name="connsiteY0" fmla="*/ 108846 h 726126"/>
+              <a:gd name="connsiteX1" fmla="*/ 151160 w 295176"/>
+              <a:gd name="connsiteY1" fmla="*/ 1689 h 726126"/>
+              <a:gd name="connsiteX2" fmla="*/ 295176 w 295176"/>
+              <a:gd name="connsiteY2" fmla="*/ 368670 h 726126"/>
+              <a:gd name="connsiteX3" fmla="*/ 151160 w 295176"/>
+              <a:gd name="connsiteY3" fmla="*/ 726126 h 726126"/>
+              <a:gd name="connsiteX4" fmla="*/ 2382 w 295176"/>
+              <a:gd name="connsiteY4" fmla="*/ 640401 h 726126"/>
+              <a:gd name="connsiteX5" fmla="*/ 9131 w 295176"/>
+              <a:gd name="connsiteY5" fmla="*/ 353932 h 726126"/>
+              <a:gd name="connsiteX6" fmla="*/ 0 w 295176"/>
+              <a:gd name="connsiteY6" fmla="*/ 108846 h 726126"/>
+              <a:gd name="connsiteX0" fmla="*/ 0 w 295176"/>
+              <a:gd name="connsiteY0" fmla="*/ 108846 h 726126"/>
+              <a:gd name="connsiteX1" fmla="*/ 151160 w 295176"/>
+              <a:gd name="connsiteY1" fmla="*/ 1689 h 726126"/>
+              <a:gd name="connsiteX2" fmla="*/ 295176 w 295176"/>
+              <a:gd name="connsiteY2" fmla="*/ 368670 h 726126"/>
+              <a:gd name="connsiteX3" fmla="*/ 151160 w 295176"/>
+              <a:gd name="connsiteY3" fmla="*/ 726126 h 726126"/>
+              <a:gd name="connsiteX4" fmla="*/ 2382 w 295176"/>
+              <a:gd name="connsiteY4" fmla="*/ 640401 h 726126"/>
+              <a:gd name="connsiteX5" fmla="*/ 9131 w 295176"/>
+              <a:gd name="connsiteY5" fmla="*/ 353932 h 726126"/>
+              <a:gd name="connsiteX6" fmla="*/ 0 w 295176"/>
+              <a:gd name="connsiteY6" fmla="*/ 108846 h 726126"/>
+            </a:gdLst>
+            <a:ahLst/>
+            <a:cxnLst>
+              <a:cxn ang="0">
+                <a:pos x="connsiteX0" y="connsiteY0"/>
+              </a:cxn>
+              <a:cxn ang="0">
+                <a:pos x="connsiteX1" y="connsiteY1"/>
+              </a:cxn>
+              <a:cxn ang="0">
+                <a:pos x="connsiteX2" y="connsiteY2"/>
+              </a:cxn>
+              <a:cxn ang="0">
+                <a:pos x="connsiteX3" y="connsiteY3"/>
+              </a:cxn>
+              <a:cxn ang="0">
+                <a:pos x="connsiteX4" y="connsiteY4"/>
+              </a:cxn>
+              <a:cxn ang="0">
+                <a:pos x="connsiteX5" y="connsiteY5"/>
+              </a:cxn>
+              <a:cxn ang="0">
+                <a:pos x="connsiteX6" y="connsiteY6"/>
+              </a:cxn>
+            </a:cxnLst>
+            <a:rect l="l" t="t" r="r" b="b"/>
+            <a:pathLst>
+              <a:path w="295176" h="726126">
+                <a:moveTo>
+                  <a:pt x="0" y="108846"/>
+                </a:moveTo>
+                <a:cubicBezTo>
+                  <a:pt x="28027" y="6450"/>
+                  <a:pt x="78270" y="-5455"/>
+                  <a:pt x="151160" y="1689"/>
+                </a:cubicBezTo>
+                <a:cubicBezTo>
+                  <a:pt x="230698" y="1689"/>
+                  <a:pt x="295176" y="247931"/>
+                  <a:pt x="295176" y="368670"/>
+                </a:cubicBezTo>
+                <a:cubicBezTo>
+                  <a:pt x="295176" y="489409"/>
+                  <a:pt x="230698" y="726126"/>
+                  <a:pt x="151160" y="726126"/>
+                </a:cubicBezTo>
+                <a:cubicBezTo>
+                  <a:pt x="76682" y="718982"/>
+                  <a:pt x="37081" y="730888"/>
+                  <a:pt x="2382" y="640401"/>
+                </a:cubicBezTo>
+                <a:cubicBezTo>
+                  <a:pt x="1682" y="539475"/>
+                  <a:pt x="9528" y="442524"/>
+                  <a:pt x="9131" y="353932"/>
+                </a:cubicBezTo>
+                <a:cubicBezTo>
+                  <a:pt x="8736" y="165328"/>
+                  <a:pt x="1214" y="177078"/>
+                  <a:pt x="0" y="108846"/>
+                </a:cubicBezTo>
+                <a:close/>
+              </a:path>
+            </a:pathLst>
+          </a:custGeom>
+          <a:solidFill>
+            <a:schemeClr val="bg1">
+              <a:alpha val="34000"/>
+            </a:schemeClr>
+          </a:solidFill>
+          <a:ln>
+            <a:noFill/>
+          </a:ln>
+          <a:effectLst>
+            <a:softEdge rad="25400"/>
+          </a:effectLst>
+        </p:spPr>
+        <p:style>
+          <a:lnRef idx="2">
+            <a:schemeClr val="accent1">
+              <a:shade val="50000"/>
+            </a:schemeClr>
+          </a:lnRef>
+          <a:fillRef idx="1">
+            <a:schemeClr val="accent1"/>
+          </a:fillRef>
+          <a:effectRef idx="0">
+            <a:schemeClr val="accent1"/>
+          </a:effectRef>
+          <a:fontRef idx="minor">
+            <a:schemeClr val="lt1"/>
+          </a:fontRef>
+        </p:style>
+        <p:txBody>
+          <a:bodyPr rtlCol="0" anchor="ctr"/>
+          <a:lstStyle/>
+          <a:p>
+            <a:pPr algn="ctr"/>
+            <a:endParaRPr lang="ru-RU"/>
+          </a:p>
+        </p:txBody>
+      </p:sp>
+      <p:pic>
+        <p:nvPicPr>
+          <p:cNvPr id="2050" name="Picture 2" descr="C:\Users\Anton\Source\Repos\Numerology999\icon.png"/>
+          <p:cNvPicPr>
+            <a:picLocks noChangeAspect="1" noChangeArrowheads="1"/>
+          </p:cNvPicPr>
+          <p:nvPr/>
+        </p:nvPicPr>
+        <p:blipFill rotWithShape="1">
+          <a:blip r:embed="rId4">
+            <a:extLst>
+              <a:ext uri="{28A0092B-C50C-407E-A947-70E740481C1C}">
+                <a14:useLocalDpi xmlns:a14="http://schemas.microsoft.com/office/drawing/2010/main" val="0"/>
+              </a:ext>
+            </a:extLst>
+          </a:blip>
+          <a:srcRect l="8298" t="105" r="8298" b="-2028"/>
+          <a:stretch/>
+        </p:blipFill>
+        <p:spPr bwMode="auto">
+          <a:xfrm>
+            <a:off x="2555776" y="3933056"/>
+            <a:ext cx="925512" cy="925512"/>
+          </a:xfrm>
+          <a:prstGeom prst="rect">
+            <a:avLst/>
+          </a:prstGeom>
+          <a:noFill/>
+          <a:extLst>
+            <a:ext uri="{909E8E84-426E-40DD-AFC4-6F175D3DCCD1}">
+              <a14:hiddenFill xmlns:a14="http://schemas.microsoft.com/office/drawing/2010/main">
+                <a:solidFill>
+                  <a:srgbClr val="FFFFFF"/>
+                </a:solidFill>
+              </a14:hiddenFill>
+            </a:ext>
+          </a:extLst>
+        </p:spPr>
+      </p:pic>
+    </p:spTree>
+    <p:extLst>
+      <p:ext uri="{BB962C8B-B14F-4D97-AF65-F5344CB8AC3E}">
+        <p14:creationId xmlns:p14="http://schemas.microsoft.com/office/powerpoint/2010/main" val="1301429569"/>
+      </p:ext>
+    </p:extLst>
+  </p:cSld>
+  <p:clrMapOvr>
+    <a:masterClrMapping/>
+  </p:clrMapOvr>
+</p:sld>
+</file>
+
+<file path=ppt/slides/slide4.xml><?xml version="1.0" encoding="utf-8"?>
+<p:sld xmlns:a="http://schemas.openxmlformats.org/drawingml/2006/main" xmlns:r="http://schemas.openxmlformats.org/officeDocument/2006/relationships" xmlns:p="http://schemas.openxmlformats.org/presentationml/2006/main">
+  <p:cSld>
+    <p:spTree>
+      <p:nvGrpSpPr>
+        <p:cNvPr id="1" name=""/>
+        <p:cNvGrpSpPr/>
+        <p:nvPr/>
+      </p:nvGrpSpPr>
+      <p:grpSpPr>
+        <a:xfrm>
+          <a:off x="0" y="0"/>
+          <a:ext cx="0" cy="0"/>
+          <a:chOff x="0" y="0"/>
+          <a:chExt cx="0" cy="0"/>
+        </a:xfrm>
+      </p:grpSpPr>
+      <p:sp>
+        <p:nvSpPr>
+          <p:cNvPr id="2" name="Заголовок 1"/>
+          <p:cNvSpPr>
+            <a:spLocks noGrp="1"/>
+          </p:cNvSpPr>
+          <p:nvPr>
+            <p:ph type="title"/>
+          </p:nvPr>
+        </p:nvSpPr>
+        <p:spPr/>
+        <p:txBody>
+          <a:bodyPr/>
+          <a:lstStyle/>
+          <a:p>
+            <a:endParaRPr lang="ru-RU"/>
+          </a:p>
+        </p:txBody>
+      </p:sp>
+      <p:grpSp>
+        <p:nvGrpSpPr>
+          <p:cNvPr id="4" name="Группа 3"/>
+          <p:cNvGrpSpPr/>
+          <p:nvPr/>
+        </p:nvGrpSpPr>
+        <p:grpSpPr>
+          <a:xfrm>
+            <a:off x="1115616" y="2636912"/>
+            <a:ext cx="1132548" cy="797695"/>
+            <a:chOff x="1268620" y="2509031"/>
+            <a:chExt cx="1132548" cy="797695"/>
+          </a:xfrm>
+        </p:grpSpPr>
+        <p:sp>
+          <p:nvSpPr>
+            <p:cNvPr id="5" name="TextBox 4"/>
+            <p:cNvSpPr txBox="1"/>
+            <p:nvPr/>
+          </p:nvSpPr>
+          <p:spPr>
+            <a:xfrm>
+              <a:off x="1331640" y="2509031"/>
+              <a:ext cx="961748" cy="646331"/>
+            </a:xfrm>
+            <a:prstGeom prst="rect">
+              <a:avLst/>
+            </a:prstGeom>
+            <a:noFill/>
+            <a:effectLst/>
+          </p:spPr>
+          <p:txBody>
+            <a:bodyPr wrap="square" rtlCol="0" anchor="ctr">
+              <a:spAutoFit/>
+            </a:bodyPr>
+            <a:lstStyle/>
+            <a:p>
+              <a:pPr algn="ctr"/>
+              <a:r>
+                <a:rPr lang="de-CH" sz="3600" b="1" spc="-300" dirty="0" smtClean="0">
+                  <a:ln w="13500">
+                    <a:solidFill>
+                      <a:schemeClr val="accent1">
+                        <a:shade val="2500"/>
+                        <a:alpha val="6500"/>
+                      </a:schemeClr>
+                    </a:solidFill>
+                    <a:prstDash val="solid"/>
+                  </a:ln>
+                  <a:solidFill>
+                    <a:schemeClr val="tx2">
+                      <a:lumMod val="60000"/>
+                      <a:lumOff val="40000"/>
+                      <a:alpha val="95000"/>
+                    </a:schemeClr>
+                  </a:solidFill>
+                  <a:effectLst>
+                    <a:innerShdw blurRad="50900" dist="38500" dir="13500000">
+                      <a:srgbClr val="000000">
+                        <a:alpha val="60000"/>
+                      </a:srgbClr>
+                    </a:innerShdw>
+                  </a:effectLst>
+                  <a:latin typeface="AR DELANEY" pitchFamily="2" charset="0"/>
+                </a:rPr>
+                <a:t>999</a:t>
+              </a:r>
+              <a:endParaRPr lang="ru-RU" b="1" spc="-300" dirty="0">
+                <a:ln w="13500">
+                  <a:solidFill>
+                    <a:schemeClr val="accent1">
+                      <a:shade val="2500"/>
+                      <a:alpha val="6500"/>
+                    </a:schemeClr>
+                  </a:solidFill>
+                  <a:prstDash val="solid"/>
+                </a:ln>
+                <a:solidFill>
+                  <a:schemeClr val="tx2">
+                    <a:lumMod val="60000"/>
+                    <a:lumOff val="40000"/>
+                    <a:alpha val="95000"/>
+                  </a:schemeClr>
+                </a:solidFill>
+                <a:effectLst>
+                  <a:innerShdw blurRad="50900" dist="38500" dir="13500000">
+                    <a:srgbClr val="000000">
+                      <a:alpha val="60000"/>
+                    </a:srgbClr>
+                  </a:innerShdw>
+                </a:effectLst>
+              </a:endParaRPr>
+            </a:p>
+          </p:txBody>
+        </p:sp>
+        <p:sp>
+          <p:nvSpPr>
+            <p:cNvPr id="6" name="Круглая лента лицом вверх 5"/>
+            <p:cNvSpPr/>
+            <p:nvPr/>
+          </p:nvSpPr>
+          <p:spPr>
+            <a:xfrm>
+              <a:off x="1268620" y="3013087"/>
+              <a:ext cx="1132548" cy="293639"/>
+            </a:xfrm>
+            <a:prstGeom prst="ellipseRibbon2">
+              <a:avLst>
+                <a:gd name="adj1" fmla="val 26558"/>
+                <a:gd name="adj2" fmla="val 100000"/>
+                <a:gd name="adj3" fmla="val 9258"/>
+              </a:avLst>
+            </a:prstGeom>
+            <a:solidFill>
+              <a:schemeClr val="accent1"/>
+            </a:solidFill>
+            <a:ln>
+              <a:noFill/>
+            </a:ln>
+          </p:spPr>
+          <p:style>
+            <a:lnRef idx="2">
+              <a:schemeClr val="accent1">
+                <a:shade val="50000"/>
+              </a:schemeClr>
+            </a:lnRef>
+            <a:fillRef idx="1">
+              <a:schemeClr val="accent1"/>
+            </a:fillRef>
+            <a:effectRef idx="0">
+              <a:schemeClr val="accent1"/>
+            </a:effectRef>
+            <a:fontRef idx="minor">
+              <a:schemeClr val="lt1"/>
+            </a:fontRef>
+          </p:style>
+          <p:txBody>
+            <a:bodyPr rtlCol="0" anchor="ctr"/>
+            <a:lstStyle/>
+            <a:p>
+              <a:pPr algn="ctr"/>
+              <a:endParaRPr lang="ru-RU"/>
+            </a:p>
+          </p:txBody>
+        </p:sp>
+        <p:sp>
+          <p:nvSpPr>
+            <p:cNvPr id="7" name="TextBox 6"/>
+            <p:cNvSpPr txBox="1"/>
+            <p:nvPr/>
+          </p:nvSpPr>
+          <p:spPr>
+            <a:xfrm>
+              <a:off x="1439593" y="3019941"/>
+              <a:ext cx="790602" cy="171061"/>
+            </a:xfrm>
+            <a:prstGeom prst="rect">
+              <a:avLst/>
+            </a:prstGeom>
+            <a:noFill/>
+          </p:spPr>
+          <p:txBody>
+            <a:bodyPr wrap="none" rtlCol="0" anchor="ctr">
+              <a:prstTxWarp prst="textTriangle">
+                <a:avLst>
+                  <a:gd name="adj" fmla="val 28743"/>
+                </a:avLst>
+              </a:prstTxWarp>
+              <a:spAutoFit/>
+            </a:bodyPr>
+            <a:lstStyle/>
+            <a:p>
+              <a:pPr algn="ctr"/>
+              <a:r>
+                <a:rPr lang="de-CH" sz="1050" dirty="0" smtClean="0">
+                  <a:solidFill>
+                    <a:schemeClr val="bg1"/>
+                  </a:solidFill>
+                  <a:latin typeface="AR DELANEY" pitchFamily="2" charset="0"/>
+                </a:rPr>
+                <a:t>NUMBERS</a:t>
+              </a:r>
+              <a:endParaRPr lang="ru-RU" sz="1050" dirty="0">
+                <a:solidFill>
+                  <a:schemeClr val="bg1"/>
+                </a:solidFill>
+              </a:endParaRPr>
+            </a:p>
+          </p:txBody>
+        </p:sp>
+      </p:grpSp>
+      <p:pic>
+        <p:nvPicPr>
+          <p:cNvPr id="3074" name="Picture 2"/>
+          <p:cNvPicPr>
+            <a:picLocks noGrp="1" noChangeAspect="1" noChangeArrowheads="1"/>
+          </p:cNvPicPr>
+          <p:nvPr>
+            <p:ph idx="1"/>
+          </p:nvPr>
+        </p:nvPicPr>
+        <p:blipFill rotWithShape="1">
+          <a:blip r:embed="rId2">
+            <a:extLst>
+              <a:ext uri="{28A0092B-C50C-407E-A947-70E740481C1C}">
+                <a14:useLocalDpi xmlns:a14="http://schemas.microsoft.com/office/drawing/2010/main" val="0"/>
+              </a:ext>
+            </a:extLst>
+          </a:blip>
+          <a:srcRect l="5929" t="24039" r="2166" b="6248"/>
+          <a:stretch/>
+        </p:blipFill>
+        <p:spPr bwMode="auto">
+          <a:xfrm>
+            <a:off x="2627784" y="3349839"/>
+            <a:ext cx="1154212" cy="671512"/>
+          </a:xfrm>
+          <a:prstGeom prst="rect">
+            <a:avLst/>
+          </a:prstGeom>
+          <a:noFill/>
+          <a:ln>
+            <a:noFill/>
+          </a:ln>
+          <a:effectLst/>
+          <a:extLst>
+            <a:ext uri="{909E8E84-426E-40DD-AFC4-6F175D3DCCD1}">
+              <a14:hiddenFill xmlns:a14="http://schemas.microsoft.com/office/drawing/2010/main">
+                <a:solidFill>
+                  <a:schemeClr val="accent1"/>
+                </a:solidFill>
+              </a14:hiddenFill>
+            </a:ext>
+            <a:ext uri="{91240B29-F687-4F45-9708-019B960494DF}">
+              <a14:hiddenLine xmlns:a14="http://schemas.microsoft.com/office/drawing/2010/main" w="9525">
+                <a:solidFill>
+                  <a:schemeClr val="tx1"/>
+                </a:solidFill>
+                <a:miter lim="800000"/>
+                <a:headEnd/>
+                <a:tailEnd/>
+              </a14:hiddenLine>
+            </a:ext>
+            <a:ext uri="{AF507438-7753-43E0-B8FC-AC1667EBCBE1}">
+              <a14:hiddenEffects xmlns:a14="http://schemas.microsoft.com/office/drawing/2010/main">
+                <a:effectLst>
+                  <a:outerShdw dist="35921" dir="2700000" algn="ctr" rotWithShape="0">
+                    <a:schemeClr val="bg2"/>
+                  </a:outerShdw>
+                </a:effectLst>
+              </a14:hiddenEffects>
+            </a:ext>
+          </a:extLst>
+        </p:spPr>
+      </p:pic>
+    </p:spTree>
+    <p:extLst>
+      <p:ext uri="{BB962C8B-B14F-4D97-AF65-F5344CB8AC3E}">
+        <p14:creationId xmlns:p14="http://schemas.microsoft.com/office/powerpoint/2010/main" val="1203684024"/>
+      </p:ext>
+    </p:extLst>
+  </p:cSld>
+  <p:clrMapOvr>
+    <a:masterClrMapping/>
+  </p:clrMapOvr>
+</p:sld>
+</file>
+
+<file path=ppt/slides/slide5.xml><?xml version="1.0" encoding="utf-8"?>
+<p:sld xmlns:a="http://schemas.openxmlformats.org/drawingml/2006/main" xmlns:r="http://schemas.openxmlformats.org/officeDocument/2006/relationships" xmlns:p="http://schemas.openxmlformats.org/presentationml/2006/main">
+  <p:cSld>
+    <p:spTree>
+      <p:nvGrpSpPr>
+        <p:cNvPr id="1" name=""/>
+        <p:cNvGrpSpPr/>
+        <p:nvPr/>
+      </p:nvGrpSpPr>
+      <p:grpSpPr>
+        <a:xfrm>
+          <a:off x="0" y="0"/>
+          <a:ext cx="0" cy="0"/>
+          <a:chOff x="0" y="0"/>
+          <a:chExt cx="0" cy="0"/>
+        </a:xfrm>
+      </p:grpSpPr>
+      <p:pic>
+        <p:nvPicPr>
+          <p:cNvPr id="17" name="Picture 4" descr="Ãhnliches Foto"/>
+          <p:cNvPicPr>
+            <a:picLocks noChangeAspect="1" noChangeArrowheads="1"/>
+          </p:cNvPicPr>
+          <p:nvPr/>
+        </p:nvPicPr>
+        <p:blipFill>
+          <a:blip r:embed="rId2">
+            <a:extLst>
+              <a:ext uri="{28A0092B-C50C-407E-A947-70E740481C1C}">
+                <a14:useLocalDpi xmlns:a14="http://schemas.microsoft.com/office/drawing/2010/main" val="0"/>
+              </a:ext>
+            </a:extLst>
+          </a:blip>
+          <a:srcRect/>
+          <a:stretch>
+            <a:fillRect/>
+          </a:stretch>
+        </p:blipFill>
+        <p:spPr bwMode="auto">
+          <a:xfrm>
+            <a:off x="4499992" y="3861048"/>
+            <a:ext cx="2880320" cy="2880320"/>
+          </a:xfrm>
+          <a:prstGeom prst="rect">
+            <a:avLst/>
+          </a:prstGeom>
+          <a:noFill/>
+          <a:extLst>
+            <a:ext uri="{909E8E84-426E-40DD-AFC4-6F175D3DCCD1}">
+              <a14:hiddenFill xmlns:a14="http://schemas.microsoft.com/office/drawing/2010/main">
+                <a:solidFill>
+                  <a:srgbClr val="FFFFFF"/>
+                </a:solidFill>
+              </a14:hiddenFill>
+            </a:ext>
+          </a:extLst>
+        </p:spPr>
+      </p:pic>
+      <p:grpSp>
+        <p:nvGrpSpPr>
+          <p:cNvPr id="15" name="Группа 14"/>
+          <p:cNvGrpSpPr/>
+          <p:nvPr/>
+        </p:nvGrpSpPr>
+        <p:grpSpPr>
+          <a:xfrm>
+            <a:off x="671325" y="1931342"/>
+            <a:ext cx="3283730" cy="5386090"/>
+            <a:chOff x="671325" y="1931342"/>
+            <a:chExt cx="3283730" cy="5386090"/>
+          </a:xfrm>
+        </p:grpSpPr>
+        <p:grpSp>
+          <p:nvGrpSpPr>
+            <p:cNvPr id="14" name="Группа 13"/>
+            <p:cNvGrpSpPr/>
+            <p:nvPr/>
+          </p:nvGrpSpPr>
+          <p:grpSpPr>
+            <a:xfrm>
+              <a:off x="671325" y="2780928"/>
+              <a:ext cx="3283730" cy="2880321"/>
+              <a:chOff x="1046816" y="1444597"/>
+              <a:chExt cx="899267" cy="987008"/>
+            </a:xfrm>
+          </p:grpSpPr>
+          <p:sp>
+            <p:nvSpPr>
+              <p:cNvPr id="9" name="Скругленный прямоугольник 8"/>
+              <p:cNvSpPr/>
+              <p:nvPr/>
+            </p:nvSpPr>
+            <p:spPr>
+              <a:xfrm>
+                <a:off x="1157292" y="1444597"/>
+                <a:ext cx="788791" cy="987008"/>
+              </a:xfrm>
+              <a:prstGeom prst="roundRect">
+                <a:avLst/>
+              </a:prstGeom>
+              <a:ln/>
+              <a:effectLst/>
+            </p:spPr>
+            <p:style>
+              <a:lnRef idx="1">
+                <a:schemeClr val="accent1"/>
+              </a:lnRef>
+              <a:fillRef idx="3">
+                <a:schemeClr val="accent1"/>
+              </a:fillRef>
+              <a:effectRef idx="2">
+                <a:schemeClr val="accent1"/>
+              </a:effectRef>
+              <a:fontRef idx="minor">
+                <a:schemeClr val="lt1"/>
+              </a:fontRef>
+            </p:style>
+            <p:txBody>
+              <a:bodyPr rtlCol="0" anchor="ctr"/>
+              <a:lstStyle/>
+              <a:p>
+                <a:pPr algn="ctr"/>
+                <a:endParaRPr lang="ru-RU"/>
+              </a:p>
+            </p:txBody>
+          </p:sp>
+          <p:sp>
+            <p:nvSpPr>
+              <p:cNvPr id="13" name="TextBox 12"/>
+              <p:cNvSpPr txBox="1"/>
+              <p:nvPr/>
+            </p:nvSpPr>
+            <p:spPr>
+              <a:xfrm>
+                <a:off x="1046816" y="1618399"/>
+                <a:ext cx="682350" cy="638073"/>
+              </a:xfrm>
+              <a:prstGeom prst="rect">
+                <a:avLst/>
+              </a:prstGeom>
+              <a:noFill/>
+            </p:spPr>
+            <p:txBody>
+              <a:bodyPr wrap="square" rtlCol="0" anchor="ctr">
+                <a:spAutoFit/>
+              </a:bodyPr>
+              <a:lstStyle/>
+              <a:p>
+                <a:pPr algn="ctr"/>
+                <a:r>
+                  <a:rPr lang="de-CH" sz="11500" spc="-300" dirty="0" smtClean="0">
+                    <a:solidFill>
+                      <a:schemeClr val="bg1"/>
+                    </a:solidFill>
+                    <a:latin typeface="AR BONNIE" pitchFamily="2" charset="0"/>
+                  </a:rPr>
+                  <a:t>89</a:t>
+                </a:r>
+                <a:endParaRPr lang="ru-RU" sz="11500" spc="-300" dirty="0">
+                  <a:solidFill>
+                    <a:schemeClr val="bg1"/>
+                  </a:solidFill>
+                </a:endParaRPr>
+              </a:p>
+            </p:txBody>
+          </p:sp>
+        </p:grpSp>
+        <p:sp>
+          <p:nvSpPr>
+            <p:cNvPr id="18" name="TextBox 17"/>
+            <p:cNvSpPr txBox="1"/>
+            <p:nvPr/>
+          </p:nvSpPr>
+          <p:spPr>
+            <a:xfrm>
+              <a:off x="2370879" y="1931342"/>
+              <a:ext cx="1421273" cy="5386090"/>
+            </a:xfrm>
+            <a:prstGeom prst="rect">
+              <a:avLst/>
+            </a:prstGeom>
+            <a:noFill/>
+          </p:spPr>
+          <p:txBody>
+            <a:bodyPr wrap="square" rtlCol="0" anchor="ctr">
+              <a:spAutoFit/>
+            </a:bodyPr>
+            <a:lstStyle/>
+            <a:p>
+              <a:pPr algn="ctr"/>
+              <a:r>
+                <a:rPr lang="de-CH" sz="34400" spc="-300" dirty="0" smtClean="0">
+                  <a:solidFill>
+                    <a:schemeClr val="bg1"/>
+                  </a:solidFill>
+                  <a:latin typeface="Gill Sans MT Ext Condensed Bold" pitchFamily="34" charset="0"/>
+                </a:rPr>
+                <a:t>7</a:t>
+              </a:r>
+              <a:endParaRPr lang="ru-RU" sz="34400" spc="-300" dirty="0">
+                <a:solidFill>
+                  <a:schemeClr val="bg1"/>
+                </a:solidFill>
+              </a:endParaRPr>
+            </a:p>
+          </p:txBody>
+        </p:sp>
+      </p:grpSp>
+      <p:pic>
+        <p:nvPicPr>
+          <p:cNvPr id="4101" name="Picture 5" descr="C:\Users\Anton\Source\Repos\Numerology999\icon4.png"/>
+          <p:cNvPicPr>
+            <a:picLocks noChangeAspect="1" noChangeArrowheads="1"/>
+          </p:cNvPicPr>
+          <p:nvPr/>
+        </p:nvPicPr>
+        <p:blipFill rotWithShape="1">
+          <a:blip r:embed="rId3">
+            <a:extLst>
+              <a:ext uri="{28A0092B-C50C-407E-A947-70E740481C1C}">
+                <a14:useLocalDpi xmlns:a14="http://schemas.microsoft.com/office/drawing/2010/main" val="0"/>
+              </a:ext>
+            </a:extLst>
+          </a:blip>
+          <a:srcRect l="17221" t="25003" r="35494" b="43272"/>
+          <a:stretch/>
+        </p:blipFill>
+        <p:spPr bwMode="auto">
+          <a:xfrm>
+            <a:off x="5004048" y="548680"/>
+            <a:ext cx="2917032" cy="2912496"/>
+          </a:xfrm>
+          <a:prstGeom prst="rect">
+            <a:avLst/>
+          </a:prstGeom>
+          <a:noFill/>
+          <a:extLst>
+            <a:ext uri="{909E8E84-426E-40DD-AFC4-6F175D3DCCD1}">
+              <a14:hiddenFill xmlns:a14="http://schemas.microsoft.com/office/drawing/2010/main">
+                <a:solidFill>
+                  <a:srgbClr val="FFFFFF"/>
+                </a:solidFill>
+              </a14:hiddenFill>
+            </a:ext>
+          </a:extLst>
+        </p:spPr>
+      </p:pic>
+    </p:spTree>
+    <p:extLst>
+      <p:ext uri="{BB962C8B-B14F-4D97-AF65-F5344CB8AC3E}">
+        <p14:creationId xmlns:p14="http://schemas.microsoft.com/office/powerpoint/2010/main" val="3878653615"/>
       </p:ext>
     </p:extLst>
   </p:cSld>
